--- a/DragonFlight Project/2015180003 2차발표.pptx
+++ b/DragonFlight Project/2015180003 2차발표.pptx
@@ -225,7 +225,7 @@
               <a:pPr lvl="0">
                 <a:defRPr/>
               </a:pPr>
-              <a:t>2019-10-29</a:t>
+              <a:t>2019-11-24</a:t>
             </a:fld>
             <a:endParaRPr lang="ko-KR" altLang="en-US"/>
           </a:p>
@@ -657,7 +657,7 @@
           <a:p>
             <a:fld id="{733DF88E-EEC7-4590-8394-8F97695D91F0}" type="datetimeFigureOut">
               <a:rPr lang="ko-KR" altLang="en-US" smtClean="0"/>
-              <a:t>2019-10-29</a:t>
+              <a:t>2019-11-24</a:t>
             </a:fld>
             <a:endParaRPr lang="ko-KR" altLang="en-US"/>
           </a:p>
@@ -855,7 +855,7 @@
           <a:p>
             <a:fld id="{733DF88E-EEC7-4590-8394-8F97695D91F0}" type="datetimeFigureOut">
               <a:rPr lang="ko-KR" altLang="en-US" smtClean="0"/>
-              <a:t>2019-10-29</a:t>
+              <a:t>2019-11-24</a:t>
             </a:fld>
             <a:endParaRPr lang="ko-KR" altLang="en-US"/>
           </a:p>
@@ -1063,7 +1063,7 @@
           <a:p>
             <a:fld id="{733DF88E-EEC7-4590-8394-8F97695D91F0}" type="datetimeFigureOut">
               <a:rPr lang="ko-KR" altLang="en-US" smtClean="0"/>
-              <a:t>2019-10-29</a:t>
+              <a:t>2019-11-24</a:t>
             </a:fld>
             <a:endParaRPr lang="ko-KR" altLang="en-US"/>
           </a:p>
@@ -1261,7 +1261,7 @@
           <a:p>
             <a:fld id="{733DF88E-EEC7-4590-8394-8F97695D91F0}" type="datetimeFigureOut">
               <a:rPr lang="ko-KR" altLang="en-US" smtClean="0"/>
-              <a:t>2019-10-29</a:t>
+              <a:t>2019-11-24</a:t>
             </a:fld>
             <a:endParaRPr lang="ko-KR" altLang="en-US"/>
           </a:p>
@@ -1536,7 +1536,7 @@
           <a:p>
             <a:fld id="{733DF88E-EEC7-4590-8394-8F97695D91F0}" type="datetimeFigureOut">
               <a:rPr lang="ko-KR" altLang="en-US" smtClean="0"/>
-              <a:t>2019-10-29</a:t>
+              <a:t>2019-11-24</a:t>
             </a:fld>
             <a:endParaRPr lang="ko-KR" altLang="en-US"/>
           </a:p>
@@ -1801,7 +1801,7 @@
           <a:p>
             <a:fld id="{733DF88E-EEC7-4590-8394-8F97695D91F0}" type="datetimeFigureOut">
               <a:rPr lang="ko-KR" altLang="en-US" smtClean="0"/>
-              <a:t>2019-10-29</a:t>
+              <a:t>2019-11-24</a:t>
             </a:fld>
             <a:endParaRPr lang="ko-KR" altLang="en-US"/>
           </a:p>
@@ -2213,7 +2213,7 @@
           <a:p>
             <a:fld id="{733DF88E-EEC7-4590-8394-8F97695D91F0}" type="datetimeFigureOut">
               <a:rPr lang="ko-KR" altLang="en-US" smtClean="0"/>
-              <a:t>2019-10-29</a:t>
+              <a:t>2019-11-24</a:t>
             </a:fld>
             <a:endParaRPr lang="ko-KR" altLang="en-US"/>
           </a:p>
@@ -2354,7 +2354,7 @@
           <a:p>
             <a:fld id="{733DF88E-EEC7-4590-8394-8F97695D91F0}" type="datetimeFigureOut">
               <a:rPr lang="ko-KR" altLang="en-US" smtClean="0"/>
-              <a:t>2019-10-29</a:t>
+              <a:t>2019-11-24</a:t>
             </a:fld>
             <a:endParaRPr lang="ko-KR" altLang="en-US"/>
           </a:p>
@@ -2467,7 +2467,7 @@
           <a:p>
             <a:fld id="{733DF88E-EEC7-4590-8394-8F97695D91F0}" type="datetimeFigureOut">
               <a:rPr lang="ko-KR" altLang="en-US" smtClean="0"/>
-              <a:t>2019-10-29</a:t>
+              <a:t>2019-11-24</a:t>
             </a:fld>
             <a:endParaRPr lang="ko-KR" altLang="en-US"/>
           </a:p>
@@ -2778,7 +2778,7 @@
           <a:p>
             <a:fld id="{733DF88E-EEC7-4590-8394-8F97695D91F0}" type="datetimeFigureOut">
               <a:rPr lang="ko-KR" altLang="en-US" smtClean="0"/>
-              <a:t>2019-10-29</a:t>
+              <a:t>2019-11-24</a:t>
             </a:fld>
             <a:endParaRPr lang="ko-KR" altLang="en-US"/>
           </a:p>
@@ -3066,7 +3066,7 @@
           <a:p>
             <a:fld id="{733DF88E-EEC7-4590-8394-8F97695D91F0}" type="datetimeFigureOut">
               <a:rPr lang="ko-KR" altLang="en-US" smtClean="0"/>
-              <a:t>2019-10-29</a:t>
+              <a:t>2019-11-24</a:t>
             </a:fld>
             <a:endParaRPr lang="ko-KR" altLang="en-US"/>
           </a:p>
@@ -3307,7 +3307,7 @@
           <a:p>
             <a:fld id="{733DF88E-EEC7-4590-8394-8F97695D91F0}" type="datetimeFigureOut">
               <a:rPr lang="ko-KR" altLang="en-US" smtClean="0"/>
-              <a:t>2019-10-29</a:t>
+              <a:t>2019-11-24</a:t>
             </a:fld>
             <a:endParaRPr lang="ko-KR" altLang="en-US"/>
           </a:p>
@@ -3930,55 +3930,6 @@
       </p:cxnSp>
       <p:sp>
         <p:nvSpPr>
-          <p:cNvPr id="3" name="TextBox 2">
-            <a:extLst>
-              <a:ext uri="{FF2B5EF4-FFF2-40B4-BE49-F238E27FC236}">
-                <a16:creationId xmlns:a16="http://schemas.microsoft.com/office/drawing/2014/main" id="{89A39AC4-E421-4058-BBAD-406F3B554DE7}"/>
-              </a:ext>
-            </a:extLst>
-          </p:cNvPr>
-          <p:cNvSpPr txBox="1"/>
-          <p:nvPr/>
-        </p:nvSpPr>
-        <p:spPr>
-          <a:xfrm>
-            <a:off x="1347787" y="876597"/>
-            <a:ext cx="6320704" cy="707886"/>
-          </a:xfrm>
-          <a:prstGeom prst="rect">
-            <a:avLst/>
-          </a:prstGeom>
-          <a:noFill/>
-        </p:spPr>
-        <p:txBody>
-          <a:bodyPr wrap="square" rtlCol="0">
-            <a:spAutoFit/>
-          </a:bodyPr>
-          <a:lstStyle/>
-          <a:p>
-            <a:r>
-              <a:rPr lang="ko-KR" altLang="en-US" sz="4000" dirty="0">
-                <a:latin typeface="HY헤드라인M" panose="02030600000101010101" pitchFamily="18" charset="-127"/>
-                <a:ea typeface="HY헤드라인M" panose="02030600000101010101" pitchFamily="18" charset="-127"/>
-              </a:rPr>
-              <a:t>안전하게 더 멀리</a:t>
-            </a:r>
-            <a:r>
-              <a:rPr lang="en-US" altLang="ko-KR" sz="4000" dirty="0">
-                <a:latin typeface="HY헤드라인M" panose="02030600000101010101" pitchFamily="18" charset="-127"/>
-                <a:ea typeface="HY헤드라인M" panose="02030600000101010101" pitchFamily="18" charset="-127"/>
-              </a:rPr>
-              <a:t>!</a:t>
-            </a:r>
-            <a:endParaRPr lang="ko-KR" altLang="en-US" sz="4000" dirty="0">
-              <a:latin typeface="HY헤드라인M" panose="02030600000101010101" pitchFamily="18" charset="-127"/>
-              <a:ea typeface="HY헤드라인M" panose="02030600000101010101" pitchFamily="18" charset="-127"/>
-            </a:endParaRPr>
-          </a:p>
-        </p:txBody>
-      </p:sp>
-      <p:sp>
-        <p:nvSpPr>
           <p:cNvPr id="4" name="TextBox 3">
             <a:extLst>
               <a:ext uri="{FF2B5EF4-FFF2-40B4-BE49-F238E27FC236}">
@@ -4034,7 +3985,7 @@
         <p:spPr>
           <a:xfrm>
             <a:off x="1347787" y="59067"/>
-            <a:ext cx="2440092" cy="769441"/>
+            <a:ext cx="3005951" cy="769441"/>
           </a:xfrm>
           <a:prstGeom prst="rect">
             <a:avLst/>
@@ -4048,22 +3999,15 @@
           <a:lstStyle/>
           <a:p>
             <a:r>
-              <a:rPr lang="en-US" altLang="ko-KR" sz="4400" dirty="0">
+              <a:rPr lang="ko-KR" altLang="en-US" sz="4400" dirty="0">
                 <a:solidFill>
                   <a:schemeClr val="accent1"/>
                 </a:solidFill>
                 <a:latin typeface="HY헤드라인M" panose="02030600000101010101" pitchFamily="18" charset="-127"/>
                 <a:ea typeface="HY헤드라인M" panose="02030600000101010101" pitchFamily="18" charset="-127"/>
               </a:rPr>
-              <a:t>Concept</a:t>
-            </a:r>
-            <a:endParaRPr lang="ko-KR" altLang="en-US" sz="4400" dirty="0">
-              <a:solidFill>
-                <a:schemeClr val="accent1"/>
-              </a:solidFill>
-              <a:latin typeface="HY헤드라인M" panose="02030600000101010101" pitchFamily="18" charset="-127"/>
-              <a:ea typeface="HY헤드라인M" panose="02030600000101010101" pitchFamily="18" charset="-127"/>
-            </a:endParaRPr>
+              <a:t>개발진척도</a:t>
+            </a:r>
           </a:p>
         </p:txBody>
       </p:sp>
@@ -4110,172 +4054,642 @@
           </a:fontRef>
         </p:style>
       </p:cxnSp>
-      <p:pic>
-        <p:nvPicPr>
-          <p:cNvPr id="10" name="그림 9">
-            <a:extLst>
-              <a:ext uri="{FF2B5EF4-FFF2-40B4-BE49-F238E27FC236}">
-                <a16:creationId xmlns:a16="http://schemas.microsoft.com/office/drawing/2014/main" id="{0EEFF24A-77C0-4A21-A807-C89DFAF9E017}"/>
-              </a:ext>
-            </a:extLst>
-          </p:cNvPr>
-          <p:cNvPicPr>
-            <a:picLocks noChangeAspect="1"/>
-          </p:cNvPicPr>
-          <p:nvPr/>
-        </p:nvPicPr>
-        <p:blipFill>
-          <a:blip r:embed="rId2">
-            <a:extLst>
-              <a:ext uri="{28A0092B-C50C-407E-A947-70E740481C1C}">
-                <a14:useLocalDpi xmlns:a14="http://schemas.microsoft.com/office/drawing/2010/main" val="0"/>
-              </a:ext>
-            </a:extLst>
-          </a:blip>
-          <a:stretch>
-            <a:fillRect/>
-          </a:stretch>
-        </p:blipFill>
-        <p:spPr>
-          <a:xfrm>
-            <a:off x="7726798" y="1545362"/>
-            <a:ext cx="3199967" cy="4703517"/>
-          </a:xfrm>
-          <a:prstGeom prst="rect">
-            <a:avLst/>
-          </a:prstGeom>
-        </p:spPr>
-      </p:pic>
-      <p:pic>
-        <p:nvPicPr>
-          <p:cNvPr id="12" name="그림 11">
-            <a:extLst>
-              <a:ext uri="{FF2B5EF4-FFF2-40B4-BE49-F238E27FC236}">
-                <a16:creationId xmlns:a16="http://schemas.microsoft.com/office/drawing/2014/main" id="{38DCDA9A-42FB-4114-94CF-0417BDDF3A59}"/>
-              </a:ext>
-            </a:extLst>
-          </p:cNvPr>
-          <p:cNvPicPr>
-            <a:picLocks noChangeAspect="1"/>
-          </p:cNvPicPr>
-          <p:nvPr/>
-        </p:nvPicPr>
-        <p:blipFill>
-          <a:blip r:embed="rId3">
-            <a:extLst>
-              <a:ext uri="{28A0092B-C50C-407E-A947-70E740481C1C}">
-                <a14:useLocalDpi xmlns:a14="http://schemas.microsoft.com/office/drawing/2010/main" val="0"/>
-              </a:ext>
-            </a:extLst>
-          </a:blip>
-          <a:stretch>
-            <a:fillRect/>
-          </a:stretch>
-        </p:blipFill>
-        <p:spPr>
-          <a:xfrm>
-            <a:off x="4284376" y="1545361"/>
-            <a:ext cx="3287404" cy="4703517"/>
-          </a:xfrm>
-          <a:prstGeom prst="rect">
-            <a:avLst/>
-          </a:prstGeom>
-        </p:spPr>
-      </p:pic>
-      <p:sp>
-        <p:nvSpPr>
-          <p:cNvPr id="13" name="TextBox 12">
-            <a:extLst>
-              <a:ext uri="{FF2B5EF4-FFF2-40B4-BE49-F238E27FC236}">
-                <a16:creationId xmlns:a16="http://schemas.microsoft.com/office/drawing/2014/main" id="{D4616471-1FDA-4503-88EB-C0F0F32F043A}"/>
-              </a:ext>
-            </a:extLst>
-          </p:cNvPr>
-          <p:cNvSpPr txBox="1"/>
-          <p:nvPr/>
-        </p:nvSpPr>
-        <p:spPr>
-          <a:xfrm>
-            <a:off x="1289076" y="2054073"/>
-            <a:ext cx="2896947" cy="646331"/>
-          </a:xfrm>
-          <a:prstGeom prst="rect">
-            <a:avLst/>
-          </a:prstGeom>
-          <a:noFill/>
-        </p:spPr>
-        <p:txBody>
-          <a:bodyPr wrap="none" rtlCol="0">
-            <a:spAutoFit/>
-          </a:bodyPr>
-          <a:lstStyle/>
-          <a:p>
-            <a:pPr marL="285750" indent="-285750">
-              <a:buFontTx/>
-              <a:buChar char="-"/>
-            </a:pPr>
-            <a:r>
-              <a:rPr lang="en-US" altLang="ko-KR" dirty="0">
-                <a:latin typeface="HY헤드라인M" panose="02030600000101010101" pitchFamily="18" charset="-127"/>
-                <a:ea typeface="HY헤드라인M" panose="02030600000101010101" pitchFamily="18" charset="-127"/>
-              </a:rPr>
-              <a:t>Game</a:t>
-            </a:r>
-            <a:r>
-              <a:rPr lang="ko-KR" altLang="en-US" dirty="0">
-                <a:latin typeface="HY헤드라인M" panose="02030600000101010101" pitchFamily="18" charset="-127"/>
-                <a:ea typeface="HY헤드라인M" panose="02030600000101010101" pitchFamily="18" charset="-127"/>
-              </a:rPr>
-              <a:t> </a:t>
-            </a:r>
-            <a:r>
-              <a:rPr lang="en-US" altLang="ko-KR" dirty="0">
-                <a:latin typeface="HY헤드라인M" panose="02030600000101010101" pitchFamily="18" charset="-127"/>
-                <a:ea typeface="HY헤드라인M" panose="02030600000101010101" pitchFamily="18" charset="-127"/>
-              </a:rPr>
-              <a:t>Over</a:t>
-            </a:r>
-            <a:r>
-              <a:rPr lang="ko-KR" altLang="en-US" dirty="0">
-                <a:latin typeface="HY헤드라인M" panose="02030600000101010101" pitchFamily="18" charset="-127"/>
-                <a:ea typeface="HY헤드라인M" panose="02030600000101010101" pitchFamily="18" charset="-127"/>
-              </a:rPr>
-              <a:t>당하지 않고</a:t>
-            </a:r>
-            <a:endParaRPr lang="en-US" altLang="ko-KR" dirty="0">
-              <a:latin typeface="HY헤드라인M" panose="02030600000101010101" pitchFamily="18" charset="-127"/>
-              <a:ea typeface="HY헤드라인M" panose="02030600000101010101" pitchFamily="18" charset="-127"/>
-            </a:endParaRPr>
-          </a:p>
-          <a:p>
-            <a:r>
-              <a:rPr lang="en-US" altLang="ko-KR" dirty="0">
-                <a:latin typeface="HY헤드라인M" panose="02030600000101010101" pitchFamily="18" charset="-127"/>
-                <a:ea typeface="HY헤드라인M" panose="02030600000101010101" pitchFamily="18" charset="-127"/>
-              </a:rPr>
-              <a:t> </a:t>
-            </a:r>
-            <a:r>
-              <a:rPr lang="ko-KR" altLang="en-US" dirty="0">
-                <a:latin typeface="HY헤드라인M" panose="02030600000101010101" pitchFamily="18" charset="-127"/>
-                <a:ea typeface="HY헤드라인M" panose="02030600000101010101" pitchFamily="18" charset="-127"/>
-              </a:rPr>
-              <a:t>   최대한 </a:t>
-            </a:r>
-            <a:r>
-              <a:rPr lang="ko-KR" altLang="en-US" dirty="0" err="1">
-                <a:latin typeface="HY헤드라인M" panose="02030600000101010101" pitchFamily="18" charset="-127"/>
-                <a:ea typeface="HY헤드라인M" panose="02030600000101010101" pitchFamily="18" charset="-127"/>
-              </a:rPr>
-              <a:t>멀리가기</a:t>
-            </a:r>
-            <a:endParaRPr lang="ko-KR" altLang="en-US" dirty="0">
-              <a:latin typeface="HY헤드라인M" panose="02030600000101010101" pitchFamily="18" charset="-127"/>
-              <a:ea typeface="HY헤드라인M" panose="02030600000101010101" pitchFamily="18" charset="-127"/>
-            </a:endParaRPr>
-          </a:p>
-        </p:txBody>
-      </p:sp>
+      <p:graphicFrame>
+        <p:nvGraphicFramePr>
+          <p:cNvPr id="5" name="표 4">
+            <a:extLst>
+              <a:ext uri="{FF2B5EF4-FFF2-40B4-BE49-F238E27FC236}">
+                <a16:creationId xmlns:a16="http://schemas.microsoft.com/office/drawing/2014/main" id="{1E73C2C0-23FE-49CF-8313-8477814A0E11}"/>
+              </a:ext>
+            </a:extLst>
+          </p:cNvPr>
+          <p:cNvGraphicFramePr>
+            <a:graphicFrameLocks noGrp="1"/>
+          </p:cNvGraphicFramePr>
+          <p:nvPr>
+            <p:extLst>
+              <p:ext uri="{D42A27DB-BD31-4B8C-83A1-F6EECF244321}">
+                <p14:modId xmlns:p14="http://schemas.microsoft.com/office/powerpoint/2010/main" val="1246613291"/>
+              </p:ext>
+            </p:extLst>
+          </p:nvPr>
+        </p:nvGraphicFramePr>
+        <p:xfrm>
+          <a:off x="1347786" y="1005274"/>
+          <a:ext cx="9417196" cy="5100104"/>
+        </p:xfrm>
+        <a:graphic>
+          <a:graphicData uri="http://schemas.openxmlformats.org/drawingml/2006/table">
+            <a:tbl>
+              <a:tblPr firstRow="1" bandRow="1">
+                <a:tableStyleId>{5C22544A-7EE6-4342-B048-85BDC9FD1C3A}</a:tableStyleId>
+              </a:tblPr>
+              <a:tblGrid>
+                <a:gridCol w="1925350">
+                  <a:extLst>
+                    <a:ext uri="{9D8B030D-6E8A-4147-A177-3AD203B41FA5}">
+                      <a16:colId xmlns:a16="http://schemas.microsoft.com/office/drawing/2014/main" val="542879717"/>
+                    </a:ext>
+                  </a:extLst>
+                </a:gridCol>
+                <a:gridCol w="3719946">
+                  <a:extLst>
+                    <a:ext uri="{9D8B030D-6E8A-4147-A177-3AD203B41FA5}">
+                      <a16:colId xmlns:a16="http://schemas.microsoft.com/office/drawing/2014/main" val="3900617142"/>
+                    </a:ext>
+                  </a:extLst>
+                </a:gridCol>
+                <a:gridCol w="2660073">
+                  <a:extLst>
+                    <a:ext uri="{9D8B030D-6E8A-4147-A177-3AD203B41FA5}">
+                      <a16:colId xmlns:a16="http://schemas.microsoft.com/office/drawing/2014/main" val="3453327584"/>
+                    </a:ext>
+                  </a:extLst>
+                </a:gridCol>
+                <a:gridCol w="1111827">
+                  <a:extLst>
+                    <a:ext uri="{9D8B030D-6E8A-4147-A177-3AD203B41FA5}">
+                      <a16:colId xmlns:a16="http://schemas.microsoft.com/office/drawing/2014/main" val="1680445888"/>
+                    </a:ext>
+                  </a:extLst>
+                </a:gridCol>
+              </a:tblGrid>
+              <a:tr h="637513">
+                <a:tc>
+                  <a:txBody>
+                    <a:bodyPr/>
+                    <a:lstStyle/>
+                    <a:p>
+                      <a:pPr latinLnBrk="1"/>
+                      <a:r>
+                        <a:rPr lang="ko-KR" altLang="en-US" dirty="0"/>
+                        <a:t>내용</a:t>
+                      </a:r>
+                    </a:p>
+                  </a:txBody>
+                  <a:tcPr/>
+                </a:tc>
+                <a:tc>
+                  <a:txBody>
+                    <a:bodyPr/>
+                    <a:lstStyle/>
+                    <a:p>
+                      <a:pPr latinLnBrk="1"/>
+                      <a:r>
+                        <a:rPr lang="en-US" altLang="ko-KR" sz="1600" dirty="0"/>
+                        <a:t>1</a:t>
+                      </a:r>
+                      <a:r>
+                        <a:rPr lang="ko-KR" altLang="en-US" sz="1600" dirty="0"/>
+                        <a:t>차 발표 목표 범위</a:t>
+                      </a:r>
+                    </a:p>
+                  </a:txBody>
+                  <a:tcPr/>
+                </a:tc>
+                <a:tc>
+                  <a:txBody>
+                    <a:bodyPr/>
+                    <a:lstStyle/>
+                    <a:p>
+                      <a:pPr latinLnBrk="1"/>
+                      <a:r>
+                        <a:rPr lang="ko-KR" altLang="en-US" sz="1600" dirty="0"/>
+                        <a:t>실제 개발완료 범위</a:t>
+                      </a:r>
+                    </a:p>
+                  </a:txBody>
+                  <a:tcPr/>
+                </a:tc>
+                <a:tc>
+                  <a:txBody>
+                    <a:bodyPr/>
+                    <a:lstStyle/>
+                    <a:p>
+                      <a:pPr latinLnBrk="1"/>
+                      <a:r>
+                        <a:rPr lang="ko-KR" altLang="en-US" sz="1600" dirty="0"/>
+                        <a:t>진척도</a:t>
+                      </a:r>
+                    </a:p>
+                  </a:txBody>
+                  <a:tcPr/>
+                </a:tc>
+                <a:extLst>
+                  <a:ext uri="{0D108BD9-81ED-4DB2-BD59-A6C34878D82A}">
+                    <a16:rowId xmlns:a16="http://schemas.microsoft.com/office/drawing/2014/main" val="436095365"/>
+                  </a:ext>
+                </a:extLst>
+              </a:tr>
+              <a:tr h="637513">
+                <a:tc>
+                  <a:txBody>
+                    <a:bodyPr/>
+                    <a:lstStyle/>
+                    <a:p>
+                      <a:pPr latinLnBrk="1"/>
+                      <a:r>
+                        <a:rPr lang="ko-KR" altLang="en-US" dirty="0"/>
+                        <a:t>맵</a:t>
+                      </a:r>
+                    </a:p>
+                  </a:txBody>
+                  <a:tcPr/>
+                </a:tc>
+                <a:tc>
+                  <a:txBody>
+                    <a:bodyPr/>
+                    <a:lstStyle/>
+                    <a:p>
+                      <a:pPr latinLnBrk="1"/>
+                      <a:r>
+                        <a:rPr lang="ko-KR" altLang="en-US" sz="1600" dirty="0"/>
+                        <a:t>스테이지 </a:t>
+                      </a:r>
+                      <a:r>
+                        <a:rPr lang="en-US" altLang="ko-KR" sz="1600" dirty="0"/>
+                        <a:t>1, 2 </a:t>
+                      </a:r>
+                      <a:r>
+                        <a:rPr lang="ko-KR" altLang="en-US" sz="1600" dirty="0"/>
+                        <a:t>구현</a:t>
+                      </a:r>
+                    </a:p>
+                  </a:txBody>
+                  <a:tcPr/>
+                </a:tc>
+                <a:tc>
+                  <a:txBody>
+                    <a:bodyPr/>
+                    <a:lstStyle/>
+                    <a:p>
+                      <a:pPr latinLnBrk="1"/>
+                      <a:r>
+                        <a:rPr lang="ko-KR" altLang="en-US" sz="1600" dirty="0"/>
+                        <a:t>스테이지 </a:t>
+                      </a:r>
+                      <a:r>
+                        <a:rPr lang="en-US" altLang="ko-KR" sz="1600" dirty="0"/>
+                        <a:t>1</a:t>
+                      </a:r>
+                      <a:r>
+                        <a:rPr lang="ko-KR" altLang="en-US" sz="1600" dirty="0"/>
+                        <a:t>구현 완료</a:t>
+                      </a:r>
+                    </a:p>
+                  </a:txBody>
+                  <a:tcPr/>
+                </a:tc>
+                <a:tc>
+                  <a:txBody>
+                    <a:bodyPr/>
+                    <a:lstStyle/>
+                    <a:p>
+                      <a:pPr latinLnBrk="1"/>
+                      <a:r>
+                        <a:rPr lang="en-US" altLang="ko-KR" sz="1600" dirty="0"/>
+                        <a:t>50%</a:t>
+                      </a:r>
+                    </a:p>
+                  </a:txBody>
+                  <a:tcPr/>
+                </a:tc>
+                <a:extLst>
+                  <a:ext uri="{0D108BD9-81ED-4DB2-BD59-A6C34878D82A}">
+                    <a16:rowId xmlns:a16="http://schemas.microsoft.com/office/drawing/2014/main" val="3890637972"/>
+                  </a:ext>
+                </a:extLst>
+              </a:tr>
+              <a:tr h="637513">
+                <a:tc>
+                  <a:txBody>
+                    <a:bodyPr/>
+                    <a:lstStyle/>
+                    <a:p>
+                      <a:pPr latinLnBrk="1"/>
+                      <a:r>
+                        <a:rPr lang="ko-KR" altLang="en-US" dirty="0"/>
+                        <a:t>캐릭터 컨트롤</a:t>
+                      </a:r>
+                    </a:p>
+                  </a:txBody>
+                  <a:tcPr/>
+                </a:tc>
+                <a:tc>
+                  <a:txBody>
+                    <a:bodyPr/>
+                    <a:lstStyle/>
+                    <a:p>
+                      <a:pPr latinLnBrk="1"/>
+                      <a:r>
+                        <a:rPr lang="ko-KR" altLang="en-US" sz="1600" dirty="0"/>
+                        <a:t>마우스를 이용한 캐릭터 컨트롤</a:t>
+                      </a:r>
+                    </a:p>
+                  </a:txBody>
+                  <a:tcPr/>
+                </a:tc>
+                <a:tc>
+                  <a:txBody>
+                    <a:bodyPr/>
+                    <a:lstStyle/>
+                    <a:p>
+                      <a:pPr latinLnBrk="1"/>
+                      <a:r>
+                        <a:rPr lang="ko-KR" altLang="en-US" sz="1600" dirty="0"/>
+                        <a:t>구현 완료</a:t>
+                      </a:r>
+                    </a:p>
+                  </a:txBody>
+                  <a:tcPr/>
+                </a:tc>
+                <a:tc>
+                  <a:txBody>
+                    <a:bodyPr/>
+                    <a:lstStyle/>
+                    <a:p>
+                      <a:pPr latinLnBrk="1"/>
+                      <a:r>
+                        <a:rPr lang="en-US" altLang="ko-KR" sz="1600" dirty="0"/>
+                        <a:t>100%</a:t>
+                      </a:r>
+                    </a:p>
+                  </a:txBody>
+                  <a:tcPr/>
+                </a:tc>
+                <a:extLst>
+                  <a:ext uri="{0D108BD9-81ED-4DB2-BD59-A6C34878D82A}">
+                    <a16:rowId xmlns:a16="http://schemas.microsoft.com/office/drawing/2014/main" val="2531386135"/>
+                  </a:ext>
+                </a:extLst>
+              </a:tr>
+              <a:tr h="637513">
+                <a:tc>
+                  <a:txBody>
+                    <a:bodyPr/>
+                    <a:lstStyle/>
+                    <a:p>
+                      <a:pPr latinLnBrk="1"/>
+                      <a:r>
+                        <a:rPr lang="ko-KR" altLang="en-US" dirty="0"/>
+                        <a:t>게임 코어 기능</a:t>
+                      </a:r>
+                    </a:p>
+                  </a:txBody>
+                  <a:tcPr/>
+                </a:tc>
+                <a:tc>
+                  <a:txBody>
+                    <a:bodyPr/>
+                    <a:lstStyle/>
+                    <a:p>
+                      <a:pPr latinLnBrk="1"/>
+                      <a:r>
+                        <a:rPr lang="ko-KR" altLang="en-US" sz="1600" dirty="0"/>
+                        <a:t>플레이어 총알 발사</a:t>
+                      </a:r>
+                      <a:r>
+                        <a:rPr lang="en-US" altLang="ko-KR" sz="1600" dirty="0"/>
+                        <a:t>, </a:t>
+                      </a:r>
+                      <a:r>
+                        <a:rPr lang="ko-KR" altLang="en-US" sz="1600" dirty="0"/>
+                        <a:t>보스 몬스터 구현</a:t>
+                      </a:r>
+                      <a:endParaRPr lang="en-US" altLang="ko-KR" sz="1600" dirty="0"/>
+                    </a:p>
+                    <a:p>
+                      <a:pPr latinLnBrk="1"/>
+                      <a:r>
+                        <a:rPr lang="ko-KR" altLang="en-US" sz="1600" dirty="0"/>
+                        <a:t>스코어 구현</a:t>
+                      </a:r>
+                    </a:p>
+                  </a:txBody>
+                  <a:tcPr/>
+                </a:tc>
+                <a:tc>
+                  <a:txBody>
+                    <a:bodyPr/>
+                    <a:lstStyle/>
+                    <a:p>
+                      <a:pPr latinLnBrk="1"/>
+                      <a:r>
+                        <a:rPr lang="ko-KR" altLang="en-US" sz="1600" dirty="0"/>
+                        <a:t>몬스터 충돌 완료</a:t>
+                      </a:r>
+                      <a:r>
+                        <a:rPr lang="en-US" altLang="ko-KR" sz="1600" dirty="0"/>
+                        <a:t>, </a:t>
+                      </a:r>
+                      <a:r>
+                        <a:rPr lang="ko-KR" altLang="en-US" sz="1600" dirty="0" err="1"/>
+                        <a:t>준보스</a:t>
+                      </a:r>
+                      <a:r>
+                        <a:rPr lang="ko-KR" altLang="en-US" sz="1600" dirty="0"/>
+                        <a:t> 완료</a:t>
+                      </a:r>
+                    </a:p>
+                  </a:txBody>
+                  <a:tcPr/>
+                </a:tc>
+                <a:tc>
+                  <a:txBody>
+                    <a:bodyPr/>
+                    <a:lstStyle/>
+                    <a:p>
+                      <a:pPr latinLnBrk="1"/>
+                      <a:r>
+                        <a:rPr lang="en-US" altLang="ko-KR" sz="1600" dirty="0"/>
+                        <a:t>70%</a:t>
+                      </a:r>
+                      <a:endParaRPr lang="ko-KR" altLang="en-US" sz="1600" dirty="0"/>
+                    </a:p>
+                  </a:txBody>
+                  <a:tcPr/>
+                </a:tc>
+                <a:extLst>
+                  <a:ext uri="{0D108BD9-81ED-4DB2-BD59-A6C34878D82A}">
+                    <a16:rowId xmlns:a16="http://schemas.microsoft.com/office/drawing/2014/main" val="2085800458"/>
+                  </a:ext>
+                </a:extLst>
+              </a:tr>
+              <a:tr h="637513">
+                <a:tc>
+                  <a:txBody>
+                    <a:bodyPr/>
+                    <a:lstStyle/>
+                    <a:p>
+                      <a:pPr latinLnBrk="1"/>
+                      <a:r>
+                        <a:rPr lang="ko-KR" altLang="en-US" dirty="0"/>
+                        <a:t>리소스 수집</a:t>
+                      </a:r>
+                    </a:p>
+                  </a:txBody>
+                  <a:tcPr/>
+                </a:tc>
+                <a:tc>
+                  <a:txBody>
+                    <a:bodyPr/>
+                    <a:lstStyle/>
+                    <a:p>
+                      <a:pPr latinLnBrk="1"/>
+                      <a:r>
+                        <a:rPr lang="ko-KR" altLang="en-US" sz="1600" dirty="0"/>
+                        <a:t>게임에 필요한 모든 리소스 수집</a:t>
+                      </a:r>
+                    </a:p>
+                  </a:txBody>
+                  <a:tcPr/>
+                </a:tc>
+                <a:tc>
+                  <a:txBody>
+                    <a:bodyPr/>
+                    <a:lstStyle/>
+                    <a:p>
+                      <a:pPr latinLnBrk="1"/>
+                      <a:r>
+                        <a:rPr lang="ko-KR" altLang="en-US" sz="1600" dirty="0"/>
+                        <a:t>보스 몬스터를 제외한 리소스 수집 완료</a:t>
+                      </a:r>
+                    </a:p>
+                  </a:txBody>
+                  <a:tcPr/>
+                </a:tc>
+                <a:tc>
+                  <a:txBody>
+                    <a:bodyPr/>
+                    <a:lstStyle/>
+                    <a:p>
+                      <a:pPr latinLnBrk="1"/>
+                      <a:r>
+                        <a:rPr lang="en-US" altLang="ko-KR" sz="1600" dirty="0"/>
+                        <a:t>90%</a:t>
+                      </a:r>
+                    </a:p>
+                  </a:txBody>
+                  <a:tcPr/>
+                </a:tc>
+                <a:extLst>
+                  <a:ext uri="{0D108BD9-81ED-4DB2-BD59-A6C34878D82A}">
+                    <a16:rowId xmlns:a16="http://schemas.microsoft.com/office/drawing/2014/main" val="230179234"/>
+                  </a:ext>
+                </a:extLst>
+              </a:tr>
+              <a:tr h="637513">
+                <a:tc>
+                  <a:txBody>
+                    <a:bodyPr/>
+                    <a:lstStyle/>
+                    <a:p>
+                      <a:pPr latinLnBrk="1"/>
+                      <a:r>
+                        <a:rPr lang="ko-KR" altLang="en-US" dirty="0"/>
+                        <a:t>게임 난이도</a:t>
+                      </a:r>
+                    </a:p>
+                  </a:txBody>
+                  <a:tcPr/>
+                </a:tc>
+                <a:tc>
+                  <a:txBody>
+                    <a:bodyPr/>
+                    <a:lstStyle/>
+                    <a:p>
+                      <a:pPr latinLnBrk="1"/>
+                      <a:r>
+                        <a:rPr lang="ko-KR" altLang="en-US" sz="1600" dirty="0"/>
+                        <a:t>난이도</a:t>
+                      </a:r>
+                      <a:r>
+                        <a:rPr lang="en-US" altLang="ko-KR" sz="1600" dirty="0"/>
+                        <a:t>: </a:t>
+                      </a:r>
+                      <a:r>
+                        <a:rPr lang="ko-KR" altLang="en-US" sz="1600" dirty="0"/>
+                        <a:t>시간이 지날수록 몬스터 증가</a:t>
+                      </a:r>
+                    </a:p>
+                  </a:txBody>
+                  <a:tcPr/>
+                </a:tc>
+                <a:tc>
+                  <a:txBody>
+                    <a:bodyPr/>
+                    <a:lstStyle/>
+                    <a:p>
+                      <a:pPr latinLnBrk="1"/>
+                      <a:r>
+                        <a:rPr lang="ko-KR" altLang="en-US" sz="1600" dirty="0"/>
+                        <a:t>구현 못함</a:t>
+                      </a:r>
+                    </a:p>
+                  </a:txBody>
+                  <a:tcPr/>
+                </a:tc>
+                <a:tc>
+                  <a:txBody>
+                    <a:bodyPr/>
+                    <a:lstStyle/>
+                    <a:p>
+                      <a:pPr latinLnBrk="1"/>
+                      <a:r>
+                        <a:rPr lang="en-US" altLang="ko-KR" sz="1600" dirty="0"/>
+                        <a:t>0%</a:t>
+                      </a:r>
+                      <a:endParaRPr lang="ko-KR" altLang="en-US" sz="1600" dirty="0"/>
+                    </a:p>
+                  </a:txBody>
+                  <a:tcPr/>
+                </a:tc>
+                <a:extLst>
+                  <a:ext uri="{0D108BD9-81ED-4DB2-BD59-A6C34878D82A}">
+                    <a16:rowId xmlns:a16="http://schemas.microsoft.com/office/drawing/2014/main" val="910923978"/>
+                  </a:ext>
+                </a:extLst>
+              </a:tr>
+              <a:tr h="637513">
+                <a:tc>
+                  <a:txBody>
+                    <a:bodyPr/>
+                    <a:lstStyle/>
+                    <a:p>
+                      <a:pPr latinLnBrk="1"/>
+                      <a:r>
+                        <a:rPr lang="ko-KR" altLang="en-US" dirty="0"/>
+                        <a:t>사운드 </a:t>
+                      </a:r>
+                    </a:p>
+                  </a:txBody>
+                  <a:tcPr/>
+                </a:tc>
+                <a:tc>
+                  <a:txBody>
+                    <a:bodyPr/>
+                    <a:lstStyle/>
+                    <a:p>
+                      <a:pPr latinLnBrk="1"/>
+                      <a:r>
+                        <a:rPr lang="ko-KR" altLang="en-US" sz="1600" dirty="0"/>
+                        <a:t>사운드 수집 및 적절한 사운드 삽입</a:t>
+                      </a:r>
+                    </a:p>
+                  </a:txBody>
+                  <a:tcPr/>
+                </a:tc>
+                <a:tc>
+                  <a:txBody>
+                    <a:bodyPr/>
+                    <a:lstStyle/>
+                    <a:p>
+                      <a:pPr latinLnBrk="1"/>
+                      <a:r>
+                        <a:rPr lang="ko-KR" altLang="en-US" sz="1600" dirty="0"/>
+                        <a:t>수집 완료</a:t>
+                      </a:r>
+                    </a:p>
+                  </a:txBody>
+                  <a:tcPr/>
+                </a:tc>
+                <a:tc>
+                  <a:txBody>
+                    <a:bodyPr/>
+                    <a:lstStyle/>
+                    <a:p>
+                      <a:pPr latinLnBrk="1"/>
+                      <a:r>
+                        <a:rPr lang="en-US" altLang="ko-KR" sz="1600" dirty="0"/>
+                        <a:t>50%</a:t>
+                      </a:r>
+                      <a:endParaRPr lang="ko-KR" altLang="en-US" sz="1600" dirty="0"/>
+                    </a:p>
+                  </a:txBody>
+                  <a:tcPr/>
+                </a:tc>
+                <a:extLst>
+                  <a:ext uri="{0D108BD9-81ED-4DB2-BD59-A6C34878D82A}">
+                    <a16:rowId xmlns:a16="http://schemas.microsoft.com/office/drawing/2014/main" val="217766636"/>
+                  </a:ext>
+                </a:extLst>
+              </a:tr>
+              <a:tr h="637513">
+                <a:tc>
+                  <a:txBody>
+                    <a:bodyPr/>
+                    <a:lstStyle/>
+                    <a:p>
+                      <a:pPr latinLnBrk="1"/>
+                      <a:r>
+                        <a:rPr lang="ko-KR" altLang="en-US" dirty="0"/>
+                        <a:t>충돌체크</a:t>
+                      </a:r>
+                    </a:p>
+                  </a:txBody>
+                  <a:tcPr/>
+                </a:tc>
+                <a:tc>
+                  <a:txBody>
+                    <a:bodyPr/>
+                    <a:lstStyle/>
+                    <a:p>
+                      <a:pPr latinLnBrk="1"/>
+                      <a:r>
+                        <a:rPr lang="ko-KR" altLang="en-US" dirty="0"/>
+                        <a:t>플레이어 총알</a:t>
+                      </a:r>
+                      <a:r>
+                        <a:rPr lang="en-US" altLang="ko-KR" dirty="0"/>
+                        <a:t>, </a:t>
+                      </a:r>
+                      <a:r>
+                        <a:rPr lang="ko-KR" altLang="en-US" dirty="0"/>
+                        <a:t>몬스터 충돌체크</a:t>
+                      </a:r>
+                    </a:p>
+                  </a:txBody>
+                  <a:tcPr/>
+                </a:tc>
+                <a:tc>
+                  <a:txBody>
+                    <a:bodyPr/>
+                    <a:lstStyle/>
+                    <a:p>
+                      <a:pPr latinLnBrk="1"/>
+                      <a:r>
+                        <a:rPr lang="ko-KR" altLang="en-US" dirty="0"/>
+                        <a:t>구현 완료</a:t>
+                      </a:r>
+                    </a:p>
+                  </a:txBody>
+                  <a:tcPr/>
+                </a:tc>
+                <a:tc>
+                  <a:txBody>
+                    <a:bodyPr/>
+                    <a:lstStyle/>
+                    <a:p>
+                      <a:pPr latinLnBrk="1"/>
+                      <a:r>
+                        <a:rPr lang="en-US" altLang="ko-KR" dirty="0"/>
+                        <a:t>100%</a:t>
+                      </a:r>
+                      <a:endParaRPr lang="ko-KR" altLang="en-US" dirty="0"/>
+                    </a:p>
+                  </a:txBody>
+                  <a:tcPr/>
+                </a:tc>
+                <a:extLst>
+                  <a:ext uri="{0D108BD9-81ED-4DB2-BD59-A6C34878D82A}">
+                    <a16:rowId xmlns:a16="http://schemas.microsoft.com/office/drawing/2014/main" val="3692201616"/>
+                  </a:ext>
+                </a:extLst>
+              </a:tr>
+            </a:tbl>
+          </a:graphicData>
+        </a:graphic>
+      </p:graphicFrame>
     </p:spTree>
     <p:extLst>
       <p:ext uri="{BB962C8B-B14F-4D97-AF65-F5344CB8AC3E}">
@@ -4406,7 +4820,7 @@
         <p:spPr>
           <a:xfrm>
             <a:off x="1347787" y="59067"/>
-            <a:ext cx="2629246" cy="769441"/>
+            <a:ext cx="3381054" cy="769441"/>
           </a:xfrm>
           <a:prstGeom prst="rect">
             <a:avLst/>
@@ -4427,7 +4841,27 @@
                 <a:latin typeface="HY헤드라인M" panose="02030600000101010101" pitchFamily="18" charset="-127"/>
                 <a:ea typeface="HY헤드라인M" panose="02030600000101010101" pitchFamily="18" charset="-127"/>
               </a:rPr>
-              <a:t>개발 범위</a:t>
+              <a:t>깃 </a:t>
+            </a:r>
+            <a:r>
+              <a:rPr lang="ko-KR" altLang="en-US" sz="4400" dirty="0" err="1">
+                <a:solidFill>
+                  <a:schemeClr val="accent1"/>
+                </a:solidFill>
+                <a:latin typeface="HY헤드라인M" panose="02030600000101010101" pitchFamily="18" charset="-127"/>
+                <a:ea typeface="HY헤드라인M" panose="02030600000101010101" pitchFamily="18" charset="-127"/>
+              </a:rPr>
+              <a:t>커밋</a:t>
+            </a:r>
+            <a:r>
+              <a:rPr lang="ko-KR" altLang="en-US" sz="4400" dirty="0">
+                <a:solidFill>
+                  <a:schemeClr val="accent1"/>
+                </a:solidFill>
+                <a:latin typeface="HY헤드라인M" panose="02030600000101010101" pitchFamily="18" charset="-127"/>
+                <a:ea typeface="HY헤드라인M" panose="02030600000101010101" pitchFamily="18" charset="-127"/>
+              </a:rPr>
+              <a:t> 통계</a:t>
             </a:r>
           </a:p>
         </p:txBody>

--- a/DragonFlight Project/2015180003 2차발표.pptx
+++ b/DragonFlight Project/2015180003 2차발표.pptx
@@ -5,14 +5,12 @@
     <p:sldMasterId id="2147483661" r:id="rId1"/>
   </p:sldMasterIdLst>
   <p:notesMasterIdLst>
-    <p:notesMasterId r:id="rId7"/>
+    <p:notesMasterId r:id="rId5"/>
   </p:notesMasterIdLst>
   <p:sldIdLst>
     <p:sldId id="256" r:id="rId2"/>
     <p:sldId id="258" r:id="rId3"/>
     <p:sldId id="259" r:id="rId4"/>
-    <p:sldId id="260" r:id="rId5"/>
-    <p:sldId id="261" r:id="rId6"/>
   </p:sldIdLst>
   <p:sldSz cx="12192000" cy="6858000"/>
   <p:notesSz cx="6858000" cy="9144000"/>
@@ -4911,10 +4909,10 @@
       </p:cxnSp>
       <p:graphicFrame>
         <p:nvGraphicFramePr>
-          <p:cNvPr id="9" name="표 8">
-            <a:extLst>
-              <a:ext uri="{FF2B5EF4-FFF2-40B4-BE49-F238E27FC236}">
-                <a16:creationId xmlns:a16="http://schemas.microsoft.com/office/drawing/2014/main" id="{727F9ED3-3FE4-4F45-92C6-38ECA104DA05}"/>
+          <p:cNvPr id="3" name="표 2">
+            <a:extLst>
+              <a:ext uri="{FF2B5EF4-FFF2-40B4-BE49-F238E27FC236}">
+                <a16:creationId xmlns:a16="http://schemas.microsoft.com/office/drawing/2014/main" id="{A4844CD9-D904-442F-90FD-30EDC8DBC975}"/>
               </a:ext>
             </a:extLst>
           </p:cNvPr>
@@ -4924,14 +4922,14 @@
           <p:nvPr>
             <p:extLst>
               <p:ext uri="{D42A27DB-BD31-4B8C-83A1-F6EECF244321}">
-                <p14:modId xmlns:p14="http://schemas.microsoft.com/office/powerpoint/2010/main" val="1909995556"/>
+                <p14:modId xmlns:p14="http://schemas.microsoft.com/office/powerpoint/2010/main" val="610753254"/>
               </p:ext>
             </p:extLst>
           </p:nvPr>
         </p:nvGraphicFramePr>
         <p:xfrm>
-          <a:off x="1481282" y="1151672"/>
-          <a:ext cx="9621906" cy="3980832"/>
+          <a:off x="1347787" y="920700"/>
+          <a:ext cx="3056433" cy="4357370"/>
         </p:xfrm>
         <a:graphic>
           <a:graphicData uri="http://schemas.openxmlformats.org/drawingml/2006/table">
@@ -4940,22 +4938,22 @@
                 <a:tableStyleId>{5C22544A-7EE6-4342-B048-85BDC9FD1C3A}</a:tableStyleId>
               </a:tblPr>
               <a:tblGrid>
-                <a:gridCol w="1906154">
+                <a:gridCol w="1456916">
                   <a:extLst>
                     <a:ext uri="{9D8B030D-6E8A-4147-A177-3AD203B41FA5}">
-                      <a16:colId xmlns:a16="http://schemas.microsoft.com/office/drawing/2014/main" val="1663359369"/>
+                      <a16:colId xmlns:a16="http://schemas.microsoft.com/office/drawing/2014/main" val="1319370326"/>
                     </a:ext>
                   </a:extLst>
                 </a:gridCol>
-                <a:gridCol w="7715752">
+                <a:gridCol w="1599517">
                   <a:extLst>
                     <a:ext uri="{9D8B030D-6E8A-4147-A177-3AD203B41FA5}">
-                      <a16:colId xmlns:a16="http://schemas.microsoft.com/office/drawing/2014/main" val="1885264803"/>
+                      <a16:colId xmlns:a16="http://schemas.microsoft.com/office/drawing/2014/main" val="4112753906"/>
                     </a:ext>
                   </a:extLst>
                 </a:gridCol>
               </a:tblGrid>
-              <a:tr h="519243">
+              <a:tr h="535987">
                 <a:tc>
                   <a:txBody>
                     <a:bodyPr/>
@@ -4964,7 +4962,7 @@
                       <a:pPr latinLnBrk="1"/>
                       <a:r>
                         <a:rPr lang="ko-KR" altLang="en-US" dirty="0"/>
-                        <a:t>내용</a:t>
+                        <a:t>주</a:t>
                       </a:r>
                     </a:p>
                   </a:txBody>
@@ -4977,8 +4975,12 @@
                     <a:p>
                       <a:pPr latinLnBrk="1"/>
                       <a:r>
+                        <a:rPr lang="ko-KR" altLang="en-US" dirty="0" err="1"/>
+                        <a:t>커밋</a:t>
+                      </a:r>
+                      <a:r>
                         <a:rPr lang="ko-KR" altLang="en-US" dirty="0"/>
-                        <a:t>범위</a:t>
+                        <a:t> 횟수</a:t>
                       </a:r>
                     </a:p>
                   </a:txBody>
@@ -4986,11 +4988,11 @@
                 </a:tc>
                 <a:extLst>
                   <a:ext uri="{0D108BD9-81ED-4DB2-BD59-A6C34878D82A}">
-                    <a16:rowId xmlns:a16="http://schemas.microsoft.com/office/drawing/2014/main" val="733090447"/>
+                    <a16:rowId xmlns:a16="http://schemas.microsoft.com/office/drawing/2014/main" val="134289307"/>
                   </a:ext>
                 </a:extLst>
               </a:tr>
-              <a:tr h="519243">
+              <a:tr h="321779">
                 <a:tc>
                   <a:txBody>
                     <a:bodyPr/>
@@ -4998,8 +5000,12 @@
                     <a:p>
                       <a:pPr latinLnBrk="1"/>
                       <a:r>
+                        <a:rPr lang="en-US" altLang="ko-KR" dirty="0"/>
+                        <a:t>1</a:t>
+                      </a:r>
+                      <a:r>
                         <a:rPr lang="ko-KR" altLang="en-US" dirty="0"/>
-                        <a:t>맵</a:t>
+                        <a:t>주차</a:t>
                       </a:r>
                     </a:p>
                   </a:txBody>
@@ -5012,28 +5018,21 @@
                     <a:p>
                       <a:pPr latinLnBrk="1"/>
                       <a:r>
-                        <a:rPr lang="ko-KR" altLang="en-US" dirty="0"/>
-                        <a:t>총 </a:t>
-                      </a:r>
-                      <a:r>
                         <a:rPr lang="en-US" altLang="ko-KR" dirty="0"/>
-                        <a:t>2</a:t>
-                      </a:r>
-                      <a:r>
-                        <a:rPr lang="ko-KR" altLang="en-US" dirty="0"/>
-                        <a:t>개의 스테이지 구현</a:t>
-                      </a:r>
+                        <a:t>11</a:t>
+                      </a:r>
+                      <a:endParaRPr lang="ko-KR" altLang="en-US" dirty="0"/>
                     </a:p>
                   </a:txBody>
                   <a:tcPr/>
                 </a:tc>
                 <a:extLst>
                   <a:ext uri="{0D108BD9-81ED-4DB2-BD59-A6C34878D82A}">
-                    <a16:rowId xmlns:a16="http://schemas.microsoft.com/office/drawing/2014/main" val="3636889611"/>
+                    <a16:rowId xmlns:a16="http://schemas.microsoft.com/office/drawing/2014/main" val="2219840252"/>
                   </a:ext>
                 </a:extLst>
               </a:tr>
-              <a:tr h="519243">
+              <a:tr h="535987">
                 <a:tc>
                   <a:txBody>
                     <a:bodyPr/>
@@ -5041,8 +5040,12 @@
                     <a:p>
                       <a:pPr latinLnBrk="1"/>
                       <a:r>
+                        <a:rPr lang="en-US" altLang="ko-KR" dirty="0"/>
+                        <a:t>2</a:t>
+                      </a:r>
+                      <a:r>
                         <a:rPr lang="ko-KR" altLang="en-US" dirty="0"/>
-                        <a:t>컨트롤러</a:t>
+                        <a:t>주차</a:t>
                       </a:r>
                     </a:p>
                   </a:txBody>
@@ -5055,20 +5058,21 @@
                     <a:p>
                       <a:pPr latinLnBrk="1"/>
                       <a:r>
-                        <a:rPr lang="ko-KR" altLang="en-US" dirty="0"/>
-                        <a:t>마우스를 이용한 플레이어 이동</a:t>
-                      </a:r>
+                        <a:rPr lang="en-US" altLang="ko-KR" dirty="0"/>
+                        <a:t>1</a:t>
+                      </a:r>
+                      <a:endParaRPr lang="ko-KR" altLang="en-US" dirty="0"/>
                     </a:p>
                   </a:txBody>
                   <a:tcPr/>
                 </a:tc>
                 <a:extLst>
                   <a:ext uri="{0D108BD9-81ED-4DB2-BD59-A6C34878D82A}">
-                    <a16:rowId xmlns:a16="http://schemas.microsoft.com/office/drawing/2014/main" val="1997268947"/>
+                    <a16:rowId xmlns:a16="http://schemas.microsoft.com/office/drawing/2014/main" val="3757433472"/>
                   </a:ext>
                 </a:extLst>
               </a:tr>
-              <a:tr h="593020">
+              <a:tr h="535987">
                 <a:tc>
                   <a:txBody>
                     <a:bodyPr/>
@@ -5076,8 +5080,12 @@
                     <a:p>
                       <a:pPr latinLnBrk="1"/>
                       <a:r>
+                        <a:rPr lang="en-US" altLang="ko-KR" dirty="0"/>
+                        <a:t>3</a:t>
+                      </a:r>
+                      <a:r>
                         <a:rPr lang="ko-KR" altLang="en-US" dirty="0"/>
-                        <a:t>코어 기능</a:t>
+                        <a:t>주차</a:t>
                       </a:r>
                     </a:p>
                   </a:txBody>
@@ -5090,48 +5098,21 @@
                     <a:p>
                       <a:pPr latinLnBrk="1"/>
                       <a:r>
-                        <a:rPr lang="ko-KR" altLang="en-US" dirty="0"/>
-                        <a:t>일정 시간</a:t>
-                      </a:r>
-                      <a:r>
                         <a:rPr lang="en-US" altLang="ko-KR" dirty="0"/>
-                        <a:t>, </a:t>
-                      </a:r>
-                      <a:r>
-                        <a:rPr lang="ko-KR" altLang="en-US" dirty="0"/>
-                        <a:t>거리 도달 시 보스 이벤트 발생</a:t>
-                      </a:r>
-                      <a:endParaRPr lang="en-US" altLang="ko-KR" dirty="0"/>
-                    </a:p>
-                    <a:p>
-                      <a:pPr latinLnBrk="1"/>
-                      <a:r>
-                        <a:rPr lang="ko-KR" altLang="en-US" dirty="0"/>
-                        <a:t>일반 몬스터 중에도 랜덤으로 강한 몬스터 생성</a:t>
-                      </a:r>
-                      <a:r>
-                        <a:rPr lang="en-US" altLang="ko-KR" dirty="0"/>
-                        <a:t>(</a:t>
-                      </a:r>
-                      <a:r>
-                        <a:rPr lang="ko-KR" altLang="en-US" dirty="0"/>
-                        <a:t>육안으로 확인 불가</a:t>
-                      </a:r>
-                      <a:r>
-                        <a:rPr lang="en-US" altLang="ko-KR" dirty="0"/>
-                        <a:t>)</a:t>
-                      </a:r>
+                        <a:t>5</a:t>
+                      </a:r>
+                      <a:endParaRPr lang="ko-KR" altLang="en-US" dirty="0"/>
                     </a:p>
                   </a:txBody>
                   <a:tcPr/>
                 </a:tc>
                 <a:extLst>
                   <a:ext uri="{0D108BD9-81ED-4DB2-BD59-A6C34878D82A}">
-                    <a16:rowId xmlns:a16="http://schemas.microsoft.com/office/drawing/2014/main" val="4274475651"/>
+                    <a16:rowId xmlns:a16="http://schemas.microsoft.com/office/drawing/2014/main" val="2759202097"/>
                   </a:ext>
                 </a:extLst>
               </a:tr>
-              <a:tr h="744537">
+              <a:tr h="535987">
                 <a:tc>
                   <a:txBody>
                     <a:bodyPr/>
@@ -5139,8 +5120,12 @@
                     <a:p>
                       <a:pPr latinLnBrk="1"/>
                       <a:r>
+                        <a:rPr lang="en-US" altLang="ko-KR" dirty="0"/>
+                        <a:t>4</a:t>
+                      </a:r>
+                      <a:r>
                         <a:rPr lang="ko-KR" altLang="en-US" dirty="0"/>
-                        <a:t>난이도</a:t>
+                        <a:t>주차</a:t>
                       </a:r>
                     </a:p>
                   </a:txBody>
@@ -5153,28 +5138,21 @@
                     <a:p>
                       <a:pPr latinLnBrk="1"/>
                       <a:r>
-                        <a:rPr lang="ko-KR" altLang="en-US" dirty="0"/>
-                        <a:t>시간이 지날 수록 몬스터의 등장 </a:t>
-                      </a:r>
-                      <a:r>
-                        <a:rPr lang="ko-KR" altLang="en-US" dirty="0" err="1"/>
-                        <a:t>텀이</a:t>
-                      </a:r>
-                      <a:r>
-                        <a:rPr lang="ko-KR" altLang="en-US" dirty="0"/>
-                        <a:t> 감소</a:t>
-                      </a:r>
+                        <a:rPr lang="en-US" altLang="ko-KR" dirty="0"/>
+                        <a:t>9</a:t>
+                      </a:r>
+                      <a:endParaRPr lang="ko-KR" altLang="en-US" dirty="0"/>
                     </a:p>
                   </a:txBody>
                   <a:tcPr/>
                 </a:tc>
                 <a:extLst>
                   <a:ext uri="{0D108BD9-81ED-4DB2-BD59-A6C34878D82A}">
-                    <a16:rowId xmlns:a16="http://schemas.microsoft.com/office/drawing/2014/main" val="3360856068"/>
+                    <a16:rowId xmlns:a16="http://schemas.microsoft.com/office/drawing/2014/main" val="1120343618"/>
                   </a:ext>
                 </a:extLst>
               </a:tr>
-              <a:tr h="1038486">
+              <a:tr h="535987">
                 <a:tc>
                   <a:txBody>
                     <a:bodyPr/>
@@ -5182,8 +5160,12 @@
                     <a:p>
                       <a:pPr latinLnBrk="1"/>
                       <a:r>
+                        <a:rPr lang="en-US" altLang="ko-KR" dirty="0"/>
+                        <a:t>5</a:t>
+                      </a:r>
+                      <a:r>
                         <a:rPr lang="ko-KR" altLang="en-US" dirty="0"/>
-                        <a:t>사운드</a:t>
+                        <a:t>주차</a:t>
                       </a:r>
                     </a:p>
                   </a:txBody>
@@ -5196,277 +5178,21 @@
                     <a:p>
                       <a:pPr latinLnBrk="1"/>
                       <a:r>
-                        <a:rPr lang="ko-KR" altLang="en-US" dirty="0"/>
-                        <a:t>맵</a:t>
-                      </a:r>
-                      <a:r>
                         <a:rPr lang="en-US" altLang="ko-KR" dirty="0"/>
-                        <a:t>, </a:t>
-                      </a:r>
-                      <a:r>
-                        <a:rPr lang="ko-KR" altLang="en-US" dirty="0"/>
-                        <a:t>몬스터 종류별로 다르게 구현</a:t>
-                      </a:r>
+                        <a:t>5</a:t>
+                      </a:r>
+                      <a:endParaRPr lang="ko-KR" altLang="en-US" dirty="0"/>
                     </a:p>
                   </a:txBody>
                   <a:tcPr/>
                 </a:tc>
                 <a:extLst>
                   <a:ext uri="{0D108BD9-81ED-4DB2-BD59-A6C34878D82A}">
-                    <a16:rowId xmlns:a16="http://schemas.microsoft.com/office/drawing/2014/main" val="3631505648"/>
+                    <a16:rowId xmlns:a16="http://schemas.microsoft.com/office/drawing/2014/main" val="1197026828"/>
                   </a:ext>
                 </a:extLst>
               </a:tr>
-            </a:tbl>
-          </a:graphicData>
-        </a:graphic>
-      </p:graphicFrame>
-    </p:spTree>
-    <p:extLst>
-      <p:ext uri="{BB962C8B-B14F-4D97-AF65-F5344CB8AC3E}">
-        <p14:creationId xmlns:p14="http://schemas.microsoft.com/office/powerpoint/2010/main" val="3703315485"/>
-      </p:ext>
-    </p:extLst>
-  </p:cSld>
-  <p:clrMapOvr>
-    <a:masterClrMapping/>
-  </p:clrMapOvr>
-</p:sld>
-</file>
-
-<file path=ppt/slides/slide4.xml><?xml version="1.0" encoding="utf-8"?>
-<p:sld xmlns:a="http://schemas.openxmlformats.org/drawingml/2006/main" xmlns:r="http://schemas.openxmlformats.org/officeDocument/2006/relationships" xmlns:p="http://schemas.openxmlformats.org/presentationml/2006/main">
-  <p:cSld>
-    <p:spTree>
-      <p:nvGrpSpPr>
-        <p:cNvPr id="1" name=""/>
-        <p:cNvGrpSpPr/>
-        <p:nvPr/>
-      </p:nvGrpSpPr>
-      <p:grpSpPr>
-        <a:xfrm>
-          <a:off x="0" y="0"/>
-          <a:ext cx="0" cy="0"/>
-          <a:chOff x="0" y="0"/>
-          <a:chExt cx="0" cy="0"/>
-        </a:xfrm>
-      </p:grpSpPr>
-      <p:cxnSp>
-        <p:nvCxnSpPr>
-          <p:cNvPr id="2" name="직선 연결선 1">
-            <a:extLst>
-              <a:ext uri="{FF2B5EF4-FFF2-40B4-BE49-F238E27FC236}">
-                <a16:creationId xmlns:a16="http://schemas.microsoft.com/office/drawing/2014/main" id="{60E1A423-190D-40A8-B717-4FF6E3F035DF}"/>
-              </a:ext>
-            </a:extLst>
-          </p:cNvPr>
-          <p:cNvCxnSpPr>
-            <a:cxnSpLocks/>
-          </p:cNvCxnSpPr>
-          <p:nvPr/>
-        </p:nvCxnSpPr>
-        <p:spPr>
-          <a:xfrm>
-            <a:off x="1347787" y="866775"/>
-            <a:ext cx="9496425" cy="19645"/>
-          </a:xfrm>
-          <a:prstGeom prst="line">
-            <a:avLst/>
-          </a:prstGeom>
-          <a:ln w="25400">
-            <a:solidFill>
-              <a:schemeClr val="tx1"/>
-            </a:solidFill>
-          </a:ln>
-        </p:spPr>
-        <p:style>
-          <a:lnRef idx="1">
-            <a:schemeClr val="accent1"/>
-          </a:lnRef>
-          <a:fillRef idx="0">
-            <a:schemeClr val="accent1"/>
-          </a:fillRef>
-          <a:effectRef idx="0">
-            <a:schemeClr val="accent1"/>
-          </a:effectRef>
-          <a:fontRef idx="minor">
-            <a:schemeClr val="tx1"/>
-          </a:fontRef>
-        </p:style>
-      </p:cxnSp>
-      <p:sp>
-        <p:nvSpPr>
-          <p:cNvPr id="4" name="TextBox 3">
-            <a:extLst>
-              <a:ext uri="{FF2B5EF4-FFF2-40B4-BE49-F238E27FC236}">
-                <a16:creationId xmlns:a16="http://schemas.microsoft.com/office/drawing/2014/main" id="{80BDD6E2-7B12-42A7-B7BA-DD231A85D1B1}"/>
-              </a:ext>
-            </a:extLst>
-          </p:cNvPr>
-          <p:cNvSpPr txBox="1"/>
-          <p:nvPr/>
-        </p:nvSpPr>
-        <p:spPr>
-          <a:xfrm>
-            <a:off x="8671112" y="443788"/>
-            <a:ext cx="2432076" cy="523220"/>
-          </a:xfrm>
-          <a:prstGeom prst="rect">
-            <a:avLst/>
-          </a:prstGeom>
-          <a:noFill/>
-        </p:spPr>
-        <p:txBody>
-          <a:bodyPr wrap="none" rtlCol="0">
-            <a:spAutoFit/>
-          </a:bodyPr>
-          <a:lstStyle/>
-          <a:p>
-            <a:r>
-              <a:rPr lang="en-US" altLang="ko-KR" sz="2800" dirty="0">
-                <a:latin typeface="HY헤드라인M" panose="02030600000101010101" pitchFamily="18" charset="-127"/>
-                <a:ea typeface="HY헤드라인M" panose="02030600000101010101" pitchFamily="18" charset="-127"/>
-              </a:rPr>
-              <a:t>Dragon Flight</a:t>
-            </a:r>
-            <a:endParaRPr lang="ko-KR" altLang="en-US" sz="2800" dirty="0">
-              <a:latin typeface="HY헤드라인M" panose="02030600000101010101" pitchFamily="18" charset="-127"/>
-              <a:ea typeface="HY헤드라인M" panose="02030600000101010101" pitchFamily="18" charset="-127"/>
-            </a:endParaRPr>
-          </a:p>
-        </p:txBody>
-      </p:sp>
-      <p:sp>
-        <p:nvSpPr>
-          <p:cNvPr id="5" name="TextBox 4">
-            <a:extLst>
-              <a:ext uri="{FF2B5EF4-FFF2-40B4-BE49-F238E27FC236}">
-                <a16:creationId xmlns:a16="http://schemas.microsoft.com/office/drawing/2014/main" id="{59FDF4BC-349C-4CAC-A6D7-DE55432143B6}"/>
-              </a:ext>
-            </a:extLst>
-          </p:cNvPr>
-          <p:cNvSpPr txBox="1"/>
-          <p:nvPr/>
-        </p:nvSpPr>
-        <p:spPr>
-          <a:xfrm>
-            <a:off x="1347787" y="59067"/>
-            <a:ext cx="2629246" cy="769441"/>
-          </a:xfrm>
-          <a:prstGeom prst="rect">
-            <a:avLst/>
-          </a:prstGeom>
-          <a:noFill/>
-        </p:spPr>
-        <p:txBody>
-          <a:bodyPr wrap="none" rtlCol="0">
-            <a:spAutoFit/>
-          </a:bodyPr>
-          <a:lstStyle/>
-          <a:p>
-            <a:r>
-              <a:rPr lang="ko-KR" altLang="en-US" sz="4400" dirty="0">
-                <a:solidFill>
-                  <a:schemeClr val="accent1"/>
-                </a:solidFill>
-                <a:latin typeface="HY헤드라인M" panose="02030600000101010101" pitchFamily="18" charset="-127"/>
-                <a:ea typeface="HY헤드라인M" panose="02030600000101010101" pitchFamily="18" charset="-127"/>
-              </a:rPr>
-              <a:t>개발 상황</a:t>
-            </a:r>
-          </a:p>
-        </p:txBody>
-      </p:sp>
-      <p:cxnSp>
-        <p:nvCxnSpPr>
-          <p:cNvPr id="7" name="직선 연결선 6">
-            <a:extLst>
-              <a:ext uri="{FF2B5EF4-FFF2-40B4-BE49-F238E27FC236}">
-                <a16:creationId xmlns:a16="http://schemas.microsoft.com/office/drawing/2014/main" id="{3343B158-7F6E-4C86-B66D-BC8241BF7CD9}"/>
-              </a:ext>
-            </a:extLst>
-          </p:cNvPr>
-          <p:cNvCxnSpPr>
-            <a:cxnSpLocks/>
-          </p:cNvCxnSpPr>
-          <p:nvPr/>
-        </p:nvCxnSpPr>
-        <p:spPr>
-          <a:xfrm>
-            <a:off x="1347787" y="6263528"/>
-            <a:ext cx="9496425" cy="19645"/>
-          </a:xfrm>
-          <a:prstGeom prst="line">
-            <a:avLst/>
-          </a:prstGeom>
-          <a:ln w="25400">
-            <a:solidFill>
-              <a:schemeClr val="tx1"/>
-            </a:solidFill>
-          </a:ln>
-        </p:spPr>
-        <p:style>
-          <a:lnRef idx="1">
-            <a:schemeClr val="accent1"/>
-          </a:lnRef>
-          <a:fillRef idx="0">
-            <a:schemeClr val="accent1"/>
-          </a:fillRef>
-          <a:effectRef idx="0">
-            <a:schemeClr val="accent1"/>
-          </a:effectRef>
-          <a:fontRef idx="minor">
-            <a:schemeClr val="tx1"/>
-          </a:fontRef>
-        </p:style>
-      </p:cxnSp>
-      <p:graphicFrame>
-        <p:nvGraphicFramePr>
-          <p:cNvPr id="11" name="표 10">
-            <a:extLst>
-              <a:ext uri="{FF2B5EF4-FFF2-40B4-BE49-F238E27FC236}">
-                <a16:creationId xmlns:a16="http://schemas.microsoft.com/office/drawing/2014/main" id="{6281E453-414E-4FD6-A32B-0AA2DEE4E2F1}"/>
-              </a:ext>
-            </a:extLst>
-          </p:cNvPr>
-          <p:cNvGraphicFramePr>
-            <a:graphicFrameLocks noGrp="1"/>
-          </p:cNvGraphicFramePr>
-          <p:nvPr>
-            <p:extLst>
-              <p:ext uri="{D42A27DB-BD31-4B8C-83A1-F6EECF244321}">
-                <p14:modId xmlns:p14="http://schemas.microsoft.com/office/powerpoint/2010/main" val="3137531256"/>
-              </p:ext>
-            </p:extLst>
-          </p:nvPr>
-        </p:nvGraphicFramePr>
-        <p:xfrm>
-          <a:off x="1340426" y="1005275"/>
-          <a:ext cx="9133609" cy="5469400"/>
-        </p:xfrm>
-        <a:graphic>
-          <a:graphicData uri="http://schemas.openxmlformats.org/drawingml/2006/table">
-            <a:tbl>
-              <a:tblPr firstRow="1" bandRow="1">
-                <a:tableStyleId>{5C22544A-7EE6-4342-B048-85BDC9FD1C3A}</a:tableStyleId>
-              </a:tblPr>
-              <a:tblGrid>
-                <a:gridCol w="1539902">
-                  <a:extLst>
-                    <a:ext uri="{9D8B030D-6E8A-4147-A177-3AD203B41FA5}">
-                      <a16:colId xmlns:a16="http://schemas.microsoft.com/office/drawing/2014/main" val="3089000572"/>
-                    </a:ext>
-                  </a:extLst>
-                </a:gridCol>
-                <a:gridCol w="7593707">
-                  <a:extLst>
-                    <a:ext uri="{9D8B030D-6E8A-4147-A177-3AD203B41FA5}">
-                      <a16:colId xmlns:a16="http://schemas.microsoft.com/office/drawing/2014/main" val="2392779756"/>
-                    </a:ext>
-                  </a:extLst>
-                </a:gridCol>
-              </a:tblGrid>
-              <a:tr h="335236">
+              <a:tr h="535987">
                 <a:tc>
                   <a:txBody>
                     <a:bodyPr/>
@@ -5474,8 +5200,12 @@
                     <a:p>
                       <a:pPr latinLnBrk="1"/>
                       <a:r>
-                        <a:rPr lang="ko-KR" altLang="en-US" sz="1200" dirty="0"/>
-                        <a:t>주차</a:t>
+                        <a:rPr lang="en-US" altLang="ko-KR" dirty="0"/>
+                        <a:t>6</a:t>
+                      </a:r>
+                      <a:r>
+                        <a:rPr lang="ko-KR" altLang="en-US" dirty="0"/>
+                        <a:t>주차 </a:t>
                       </a:r>
                     </a:p>
                   </a:txBody>
@@ -5487,30 +5217,34 @@
                     <a:lstStyle/>
                     <a:p>
                       <a:pPr latinLnBrk="1"/>
-                      <a:endParaRPr lang="ko-KR" altLang="en-US" sz="1200"/>
+                      <a:r>
+                        <a:rPr lang="en-US" altLang="ko-KR" dirty="0"/>
+                        <a:t>4</a:t>
+                      </a:r>
+                      <a:endParaRPr lang="ko-KR" altLang="en-US" dirty="0"/>
                     </a:p>
                   </a:txBody>
                   <a:tcPr/>
                 </a:tc>
                 <a:extLst>
                   <a:ext uri="{0D108BD9-81ED-4DB2-BD59-A6C34878D82A}">
-                    <a16:rowId xmlns:a16="http://schemas.microsoft.com/office/drawing/2014/main" val="2348600891"/>
+                    <a16:rowId xmlns:a16="http://schemas.microsoft.com/office/drawing/2014/main" val="3694423077"/>
                   </a:ext>
                 </a:extLst>
               </a:tr>
-              <a:tr h="330644">
-                <a:tc rowSpan="2">
+              <a:tr h="0">
+                <a:tc>
                   <a:txBody>
                     <a:bodyPr/>
                     <a:lstStyle/>
                     <a:p>
                       <a:pPr latinLnBrk="1"/>
                       <a:r>
-                        <a:rPr lang="en-US" altLang="ko-KR" sz="1200" dirty="0"/>
-                        <a:t>1</a:t>
-                      </a:r>
-                      <a:r>
-                        <a:rPr lang="ko-KR" altLang="en-US" sz="1200" dirty="0"/>
+                        <a:rPr lang="en-US" altLang="ko-KR" dirty="0"/>
+                        <a:t>7</a:t>
+                      </a:r>
+                      <a:r>
+                        <a:rPr lang="ko-KR" altLang="en-US" dirty="0"/>
                         <a:t>주차</a:t>
                       </a:r>
                     </a:p>
@@ -5524,35 +5258,35 @@
                     <a:p>
                       <a:pPr latinLnBrk="1"/>
                       <a:r>
-                        <a:rPr lang="ko-KR" altLang="en-US" sz="1200" dirty="0"/>
-                        <a:t>계획</a:t>
-                      </a:r>
-                      <a:r>
-                        <a:rPr lang="en-US" altLang="ko-KR" sz="1200" dirty="0"/>
-                        <a:t>:</a:t>
-                      </a:r>
-                      <a:r>
-                        <a:rPr lang="ko-KR" altLang="en-US" sz="1200" dirty="0"/>
-                        <a:t> 리소스 수집 및 정리</a:t>
-                      </a:r>
+                        <a:rPr lang="en-US" altLang="ko-KR" dirty="0"/>
+                        <a:t>4</a:t>
+                      </a:r>
+                      <a:endParaRPr lang="ko-KR" altLang="en-US" dirty="0"/>
                     </a:p>
                   </a:txBody>
                   <a:tcPr/>
                 </a:tc>
                 <a:extLst>
                   <a:ext uri="{0D108BD9-81ED-4DB2-BD59-A6C34878D82A}">
-                    <a16:rowId xmlns:a16="http://schemas.microsoft.com/office/drawing/2014/main" val="1356314176"/>
+                    <a16:rowId xmlns:a16="http://schemas.microsoft.com/office/drawing/2014/main" val="1400924142"/>
                   </a:ext>
                 </a:extLst>
               </a:tr>
-              <a:tr h="330644">
-                <a:tc vMerge="1">
+              <a:tr h="409928">
+                <a:tc>
                   <a:txBody>
                     <a:bodyPr/>
                     <a:lstStyle/>
                     <a:p>
                       <a:pPr latinLnBrk="1"/>
-                      <a:endParaRPr lang="ko-KR" altLang="en-US"/>
+                      <a:r>
+                        <a:rPr lang="en-US" altLang="ko-KR" dirty="0"/>
+                        <a:t>8</a:t>
+                      </a:r>
+                      <a:r>
+                        <a:rPr lang="ko-KR" altLang="en-US" dirty="0"/>
+                        <a:t>주차</a:t>
+                      </a:r>
                     </a:p>
                   </a:txBody>
                   <a:tcPr/>
@@ -5564,608 +5298,17 @@
                     <a:p>
                       <a:pPr latinLnBrk="1"/>
                       <a:r>
-                        <a:rPr lang="ko-KR" altLang="en-US" sz="1200" dirty="0"/>
-                        <a:t>결과</a:t>
-                      </a:r>
-                      <a:r>
-                        <a:rPr lang="en-US" altLang="ko-KR" sz="1200" dirty="0"/>
-                        <a:t>: </a:t>
-                      </a:r>
-                      <a:r>
-                        <a:rPr lang="ko-KR" altLang="en-US" sz="1200" dirty="0"/>
-                        <a:t>리소스 수집 및 정리</a:t>
-                      </a:r>
-                      <a:r>
-                        <a:rPr lang="en-US" altLang="ko-KR" sz="1200" dirty="0"/>
-                        <a:t>(100%)</a:t>
-                      </a:r>
-                      <a:endParaRPr lang="ko-KR" altLang="en-US" sz="1200" dirty="0"/>
+                        <a:rPr lang="en-US" altLang="ko-KR" dirty="0"/>
+                        <a:t>1</a:t>
+                      </a:r>
+                      <a:endParaRPr lang="ko-KR" altLang="en-US" dirty="0"/>
                     </a:p>
                   </a:txBody>
                   <a:tcPr/>
                 </a:tc>
                 <a:extLst>
                   <a:ext uri="{0D108BD9-81ED-4DB2-BD59-A6C34878D82A}">
-                    <a16:rowId xmlns:a16="http://schemas.microsoft.com/office/drawing/2014/main" val="2065886858"/>
-                  </a:ext>
-                </a:extLst>
-              </a:tr>
-              <a:tr h="330644">
-                <a:tc rowSpan="2">
-                  <a:txBody>
-                    <a:bodyPr/>
-                    <a:lstStyle/>
-                    <a:p>
-                      <a:pPr latinLnBrk="1"/>
-                      <a:r>
-                        <a:rPr lang="en-US" altLang="ko-KR" sz="1200" dirty="0"/>
-                        <a:t>2</a:t>
-                      </a:r>
-                      <a:r>
-                        <a:rPr lang="ko-KR" altLang="en-US" sz="1200" dirty="0"/>
-                        <a:t>주차</a:t>
-                      </a:r>
-                    </a:p>
-                  </a:txBody>
-                  <a:tcPr/>
-                </a:tc>
-                <a:tc>
-                  <a:txBody>
-                    <a:bodyPr/>
-                    <a:lstStyle/>
-                    <a:p>
-                      <a:pPr latinLnBrk="1"/>
-                      <a:r>
-                        <a:rPr lang="ko-KR" altLang="en-US" sz="1200" dirty="0"/>
-                        <a:t>계획</a:t>
-                      </a:r>
-                      <a:r>
-                        <a:rPr lang="en-US" altLang="ko-KR" sz="1200" dirty="0"/>
-                        <a:t>: </a:t>
-                      </a:r>
-                      <a:r>
-                        <a:rPr lang="ko-KR" altLang="en-US" sz="1200" dirty="0"/>
-                        <a:t>플레이어 이동 및 기본 몬스터 구현</a:t>
-                      </a:r>
-                    </a:p>
-                  </a:txBody>
-                  <a:tcPr/>
-                </a:tc>
-                <a:extLst>
-                  <a:ext uri="{0D108BD9-81ED-4DB2-BD59-A6C34878D82A}">
-                    <a16:rowId xmlns:a16="http://schemas.microsoft.com/office/drawing/2014/main" val="2682814707"/>
-                  </a:ext>
-                </a:extLst>
-              </a:tr>
-              <a:tr h="578626">
-                <a:tc vMerge="1">
-                  <a:txBody>
-                    <a:bodyPr/>
-                    <a:lstStyle/>
-                    <a:p>
-                      <a:pPr latinLnBrk="1"/>
-                      <a:endParaRPr lang="ko-KR" altLang="en-US"/>
-                    </a:p>
-                  </a:txBody>
-                  <a:tcPr/>
-                </a:tc>
-                <a:tc>
-                  <a:txBody>
-                    <a:bodyPr/>
-                    <a:lstStyle/>
-                    <a:p>
-                      <a:pPr latinLnBrk="1"/>
-                      <a:r>
-                        <a:rPr lang="ko-KR" altLang="en-US" sz="1200" dirty="0"/>
-                        <a:t>결과</a:t>
-                      </a:r>
-                      <a:r>
-                        <a:rPr lang="en-US" altLang="ko-KR" sz="1200" dirty="0"/>
-                        <a:t>: </a:t>
-                      </a:r>
-                      <a:r>
-                        <a:rPr lang="ko-KR" altLang="en-US" sz="1200" dirty="0"/>
-                        <a:t>플레이 타임을 계산해 중간 보스 나오게 구현</a:t>
-                      </a:r>
-                      <a:endParaRPr lang="en-US" altLang="ko-KR" sz="1200" dirty="0"/>
-                    </a:p>
-                    <a:p>
-                      <a:pPr latinLnBrk="1"/>
-                      <a:r>
-                        <a:rPr lang="en-US" altLang="ko-KR" sz="1200" dirty="0"/>
-                        <a:t>        </a:t>
-                      </a:r>
-                      <a:r>
-                        <a:rPr lang="ko-KR" altLang="en-US" sz="1200" dirty="0"/>
-                        <a:t>플레이어 이동을 키보드에서 마우스로 바꿈</a:t>
-                      </a:r>
-                    </a:p>
-                  </a:txBody>
-                  <a:tcPr/>
-                </a:tc>
-                <a:extLst>
-                  <a:ext uri="{0D108BD9-81ED-4DB2-BD59-A6C34878D82A}">
-                    <a16:rowId xmlns:a16="http://schemas.microsoft.com/office/drawing/2014/main" val="2249551286"/>
-                  </a:ext>
-                </a:extLst>
-              </a:tr>
-              <a:tr h="330644">
-                <a:tc rowSpan="2">
-                  <a:txBody>
-                    <a:bodyPr/>
-                    <a:lstStyle/>
-                    <a:p>
-                      <a:pPr latinLnBrk="1"/>
-                      <a:r>
-                        <a:rPr lang="en-US" altLang="ko-KR" sz="1200" dirty="0"/>
-                        <a:t>3</a:t>
-                      </a:r>
-                      <a:r>
-                        <a:rPr lang="ko-KR" altLang="en-US" sz="1200" dirty="0"/>
-                        <a:t>주차</a:t>
-                      </a:r>
-                    </a:p>
-                  </a:txBody>
-                  <a:tcPr/>
-                </a:tc>
-                <a:tc>
-                  <a:txBody>
-                    <a:bodyPr/>
-                    <a:lstStyle/>
-                    <a:p>
-                      <a:pPr latinLnBrk="1"/>
-                      <a:r>
-                        <a:rPr lang="ko-KR" altLang="en-US" sz="1200" dirty="0"/>
-                        <a:t>계획</a:t>
-                      </a:r>
-                      <a:r>
-                        <a:rPr lang="en-US" altLang="ko-KR" sz="1200" dirty="0"/>
-                        <a:t>: </a:t>
-                      </a:r>
-                      <a:r>
-                        <a:rPr lang="ko-KR" altLang="en-US" sz="1200" dirty="0"/>
-                        <a:t>스코어 개념 구현</a:t>
-                      </a:r>
-                      <a:r>
-                        <a:rPr lang="en-US" altLang="ko-KR" sz="1200" dirty="0"/>
-                        <a:t>, </a:t>
-                      </a:r>
-                      <a:r>
-                        <a:rPr lang="ko-KR" altLang="en-US" sz="1200" dirty="0"/>
-                        <a:t>거리 비례 이벤트 발생</a:t>
-                      </a:r>
-                    </a:p>
-                  </a:txBody>
-                  <a:tcPr/>
-                </a:tc>
-                <a:extLst>
-                  <a:ext uri="{0D108BD9-81ED-4DB2-BD59-A6C34878D82A}">
-                    <a16:rowId xmlns:a16="http://schemas.microsoft.com/office/drawing/2014/main" val="429032505"/>
-                  </a:ext>
-                </a:extLst>
-              </a:tr>
-              <a:tr h="330644">
-                <a:tc vMerge="1">
-                  <a:txBody>
-                    <a:bodyPr/>
-                    <a:lstStyle/>
-                    <a:p>
-                      <a:pPr latinLnBrk="1"/>
-                      <a:endParaRPr lang="ko-KR" altLang="en-US"/>
-                    </a:p>
-                  </a:txBody>
-                  <a:tcPr/>
-                </a:tc>
-                <a:tc>
-                  <a:txBody>
-                    <a:bodyPr/>
-                    <a:lstStyle/>
-                    <a:p>
-                      <a:pPr latinLnBrk="1"/>
-                      <a:r>
-                        <a:rPr lang="ko-KR" altLang="en-US" sz="1200" dirty="0"/>
-                        <a:t>결과</a:t>
-                      </a:r>
-                      <a:r>
-                        <a:rPr lang="en-US" altLang="ko-KR" sz="1200" dirty="0"/>
-                        <a:t>: </a:t>
-                      </a:r>
-                      <a:r>
-                        <a:rPr lang="ko-KR" altLang="en-US" sz="1200" dirty="0"/>
-                        <a:t>일정 거리 도달 시</a:t>
-                      </a:r>
-                      <a:r>
-                        <a:rPr lang="en-US" altLang="ko-KR" sz="1200" dirty="0"/>
-                        <a:t>, </a:t>
-                      </a:r>
-                      <a:r>
-                        <a:rPr lang="ko-KR" altLang="en-US" sz="1200" dirty="0"/>
-                        <a:t>중간 보스 등장</a:t>
-                      </a:r>
-                    </a:p>
-                  </a:txBody>
-                  <a:tcPr/>
-                </a:tc>
-                <a:extLst>
-                  <a:ext uri="{0D108BD9-81ED-4DB2-BD59-A6C34878D82A}">
-                    <a16:rowId xmlns:a16="http://schemas.microsoft.com/office/drawing/2014/main" val="1681154242"/>
-                  </a:ext>
-                </a:extLst>
-              </a:tr>
-              <a:tr h="330644">
-                <a:tc rowSpan="2">
-                  <a:txBody>
-                    <a:bodyPr/>
-                    <a:lstStyle/>
-                    <a:p>
-                      <a:pPr latinLnBrk="1"/>
-                      <a:r>
-                        <a:rPr lang="en-US" altLang="ko-KR" sz="1200" dirty="0"/>
-                        <a:t>4</a:t>
-                      </a:r>
-                      <a:r>
-                        <a:rPr lang="ko-KR" altLang="en-US" sz="1200" dirty="0"/>
-                        <a:t>주차</a:t>
-                      </a:r>
-                    </a:p>
-                  </a:txBody>
-                  <a:tcPr/>
-                </a:tc>
-                <a:tc>
-                  <a:txBody>
-                    <a:bodyPr/>
-                    <a:lstStyle/>
-                    <a:p>
-                      <a:pPr latinLnBrk="1"/>
-                      <a:r>
-                        <a:rPr lang="ko-KR" altLang="en-US" sz="1200" dirty="0"/>
-                        <a:t>계획</a:t>
-                      </a:r>
-                      <a:r>
-                        <a:rPr lang="en-US" altLang="ko-KR" sz="1200" dirty="0"/>
-                        <a:t>: </a:t>
-                      </a:r>
-                      <a:r>
-                        <a:rPr lang="ko-KR" altLang="en-US" sz="1200" dirty="0"/>
-                        <a:t>중간보스</a:t>
-                      </a:r>
-                      <a:r>
-                        <a:rPr lang="en-US" altLang="ko-KR" sz="1200" dirty="0"/>
-                        <a:t>, </a:t>
-                      </a:r>
-                      <a:r>
-                        <a:rPr lang="ko-KR" altLang="en-US" sz="1200" dirty="0"/>
-                        <a:t>최종보스 구현</a:t>
-                      </a:r>
-                    </a:p>
-                  </a:txBody>
-                  <a:tcPr/>
-                </a:tc>
-                <a:extLst>
-                  <a:ext uri="{0D108BD9-81ED-4DB2-BD59-A6C34878D82A}">
-                    <a16:rowId xmlns:a16="http://schemas.microsoft.com/office/drawing/2014/main" val="1451840931"/>
-                  </a:ext>
-                </a:extLst>
-              </a:tr>
-              <a:tr h="578626">
-                <a:tc vMerge="1">
-                  <a:txBody>
-                    <a:bodyPr/>
-                    <a:lstStyle/>
-                    <a:p>
-                      <a:pPr latinLnBrk="1"/>
-                      <a:endParaRPr lang="ko-KR" altLang="en-US"/>
-                    </a:p>
-                  </a:txBody>
-                  <a:tcPr/>
-                </a:tc>
-                <a:tc>
-                  <a:txBody>
-                    <a:bodyPr/>
-                    <a:lstStyle/>
-                    <a:p>
-                      <a:pPr latinLnBrk="1"/>
-                      <a:r>
-                        <a:rPr lang="ko-KR" altLang="en-US" sz="1200" dirty="0"/>
-                        <a:t>결과</a:t>
-                      </a:r>
-                      <a:r>
-                        <a:rPr lang="en-US" altLang="ko-KR" sz="1200" dirty="0"/>
-                        <a:t>: </a:t>
-                      </a:r>
-                      <a:r>
-                        <a:rPr lang="ko-KR" altLang="en-US" sz="1200" dirty="0"/>
-                        <a:t>중간</a:t>
-                      </a:r>
-                      <a:r>
-                        <a:rPr lang="en-US" altLang="ko-KR" sz="1200" dirty="0"/>
-                        <a:t> </a:t>
-                      </a:r>
-                      <a:r>
-                        <a:rPr lang="ko-KR" altLang="en-US" sz="1200" dirty="0"/>
-                        <a:t>보스 일부분 구현</a:t>
-                      </a:r>
-                      <a:r>
-                        <a:rPr lang="en-US" altLang="ko-KR" sz="1200" dirty="0"/>
-                        <a:t>, </a:t>
-                      </a:r>
-                      <a:r>
-                        <a:rPr lang="ko-KR" altLang="en-US" sz="1200" dirty="0"/>
-                        <a:t>탄환 알고리즘이 어려워 최종보스 </a:t>
-                      </a:r>
-                      <a:r>
-                        <a:rPr lang="ko-KR" altLang="en-US" sz="1200" dirty="0" err="1"/>
-                        <a:t>미뤄짐</a:t>
-                      </a:r>
-                      <a:r>
-                        <a:rPr lang="en-US" altLang="ko-KR" sz="1200" dirty="0"/>
-                        <a:t>, </a:t>
-                      </a:r>
-                      <a:r>
-                        <a:rPr lang="ko-KR" altLang="en-US" sz="1200" dirty="0"/>
-                        <a:t>플레이어의 탄과 몬스터의 충돌체크 구현</a:t>
-                      </a:r>
-                    </a:p>
-                  </a:txBody>
-                  <a:tcPr/>
-                </a:tc>
-                <a:extLst>
-                  <a:ext uri="{0D108BD9-81ED-4DB2-BD59-A6C34878D82A}">
-                    <a16:rowId xmlns:a16="http://schemas.microsoft.com/office/drawing/2014/main" val="2794316266"/>
-                  </a:ext>
-                </a:extLst>
-              </a:tr>
-              <a:tr h="335236">
-                <a:tc>
-                  <a:txBody>
-                    <a:bodyPr/>
-                    <a:lstStyle/>
-                    <a:p>
-                      <a:pPr latinLnBrk="1"/>
-                      <a:r>
-                        <a:rPr lang="en-US" altLang="ko-KR" sz="1200" dirty="0"/>
-                        <a:t>5</a:t>
-                      </a:r>
-                      <a:r>
-                        <a:rPr lang="ko-KR" altLang="en-US" sz="1200" dirty="0"/>
-                        <a:t>주차</a:t>
-                      </a:r>
-                    </a:p>
-                  </a:txBody>
-                  <a:tcPr/>
-                </a:tc>
-                <a:tc>
-                  <a:txBody>
-                    <a:bodyPr/>
-                    <a:lstStyle/>
-                    <a:p>
-                      <a:pPr latinLnBrk="1"/>
-                      <a:r>
-                        <a:rPr lang="ko-KR" altLang="en-US" sz="1200" dirty="0"/>
-                        <a:t>중간점검</a:t>
-                      </a:r>
-                    </a:p>
-                  </a:txBody>
-                  <a:tcPr/>
-                </a:tc>
-                <a:extLst>
-                  <a:ext uri="{0D108BD9-81ED-4DB2-BD59-A6C34878D82A}">
-                    <a16:rowId xmlns:a16="http://schemas.microsoft.com/office/drawing/2014/main" val="1942549701"/>
-                  </a:ext>
-                </a:extLst>
-              </a:tr>
-              <a:tr h="335236">
-                <a:tc>
-                  <a:txBody>
-                    <a:bodyPr/>
-                    <a:lstStyle/>
-                    <a:p>
-                      <a:pPr latinLnBrk="1"/>
-                      <a:r>
-                        <a:rPr lang="en-US" altLang="ko-KR" sz="1200" dirty="0"/>
-                        <a:t>6</a:t>
-                      </a:r>
-                      <a:r>
-                        <a:rPr lang="ko-KR" altLang="en-US" sz="1200" dirty="0"/>
-                        <a:t>주차</a:t>
-                      </a:r>
-                    </a:p>
-                  </a:txBody>
-                  <a:tcPr/>
-                </a:tc>
-                <a:tc>
-                  <a:txBody>
-                    <a:bodyPr/>
-                    <a:lstStyle/>
-                    <a:p>
-                      <a:pPr latinLnBrk="1"/>
-                      <a:r>
-                        <a:rPr lang="ko-KR" altLang="en-US" sz="1200" dirty="0" err="1"/>
-                        <a:t>새끼용</a:t>
-                      </a:r>
-                      <a:r>
-                        <a:rPr lang="ko-KR" altLang="en-US" sz="1200" dirty="0"/>
-                        <a:t> 구현</a:t>
-                      </a:r>
-                    </a:p>
-                  </a:txBody>
-                  <a:tcPr/>
-                </a:tc>
-                <a:extLst>
-                  <a:ext uri="{0D108BD9-81ED-4DB2-BD59-A6C34878D82A}">
-                    <a16:rowId xmlns:a16="http://schemas.microsoft.com/office/drawing/2014/main" val="513967582"/>
-                  </a:ext>
-                </a:extLst>
-              </a:tr>
-              <a:tr h="330644">
-                <a:tc>
-                  <a:txBody>
-                    <a:bodyPr/>
-                    <a:lstStyle/>
-                    <a:p>
-                      <a:pPr latinLnBrk="1"/>
-                      <a:r>
-                        <a:rPr lang="en-US" altLang="ko-KR" sz="1200" dirty="0"/>
-                        <a:t>7</a:t>
-                      </a:r>
-                      <a:r>
-                        <a:rPr lang="ko-KR" altLang="en-US" sz="1200" dirty="0"/>
-                        <a:t>주차</a:t>
-                      </a:r>
-                    </a:p>
-                  </a:txBody>
-                  <a:tcPr/>
-                </a:tc>
-                <a:tc>
-                  <a:txBody>
-                    <a:bodyPr/>
-                    <a:lstStyle/>
-                    <a:p>
-                      <a:pPr latinLnBrk="1"/>
-                      <a:r>
-                        <a:rPr lang="ko-KR" altLang="en-US" sz="1200" dirty="0"/>
-                        <a:t>장애물 구현</a:t>
-                      </a:r>
-                    </a:p>
-                  </a:txBody>
-                  <a:tcPr/>
-                </a:tc>
-                <a:extLst>
-                  <a:ext uri="{0D108BD9-81ED-4DB2-BD59-A6C34878D82A}">
-                    <a16:rowId xmlns:a16="http://schemas.microsoft.com/office/drawing/2014/main" val="2397962977"/>
-                  </a:ext>
-                </a:extLst>
-              </a:tr>
-              <a:tr h="330644">
-                <a:tc>
-                  <a:txBody>
-                    <a:bodyPr/>
-                    <a:lstStyle/>
-                    <a:p>
-                      <a:pPr latinLnBrk="1"/>
-                      <a:r>
-                        <a:rPr lang="en-US" altLang="ko-KR" sz="1200" dirty="0"/>
-                        <a:t>8</a:t>
-                      </a:r>
-                      <a:r>
-                        <a:rPr lang="ko-KR" altLang="en-US" sz="1200" dirty="0"/>
-                        <a:t>주차</a:t>
-                      </a:r>
-                    </a:p>
-                  </a:txBody>
-                  <a:tcPr/>
-                </a:tc>
-                <a:tc>
-                  <a:txBody>
-                    <a:bodyPr/>
-                    <a:lstStyle/>
-                    <a:p>
-                      <a:pPr latinLnBrk="1"/>
-                      <a:r>
-                        <a:rPr lang="en-US" altLang="ko-KR" sz="1200" dirty="0"/>
-                        <a:t>UI </a:t>
-                      </a:r>
-                      <a:r>
-                        <a:rPr lang="ko-KR" altLang="en-US" sz="1200" dirty="0"/>
-                        <a:t>구현</a:t>
-                      </a:r>
-                    </a:p>
-                  </a:txBody>
-                  <a:tcPr/>
-                </a:tc>
-                <a:extLst>
-                  <a:ext uri="{0D108BD9-81ED-4DB2-BD59-A6C34878D82A}">
-                    <a16:rowId xmlns:a16="http://schemas.microsoft.com/office/drawing/2014/main" val="1384443165"/>
-                  </a:ext>
-                </a:extLst>
-              </a:tr>
-              <a:tr h="330644">
-                <a:tc>
-                  <a:txBody>
-                    <a:bodyPr/>
-                    <a:lstStyle/>
-                    <a:p>
-                      <a:pPr latinLnBrk="1"/>
-                      <a:r>
-                        <a:rPr lang="en-US" altLang="ko-KR" sz="1200" dirty="0"/>
-                        <a:t>9</a:t>
-                      </a:r>
-                      <a:r>
-                        <a:rPr lang="ko-KR" altLang="en-US" sz="1200" dirty="0"/>
-                        <a:t>주차</a:t>
-                      </a:r>
-                    </a:p>
-                  </a:txBody>
-                  <a:tcPr/>
-                </a:tc>
-                <a:tc>
-                  <a:txBody>
-                    <a:bodyPr/>
-                    <a:lstStyle/>
-                    <a:p>
-                      <a:pPr latinLnBrk="1"/>
-                      <a:r>
-                        <a:rPr lang="ko-KR" altLang="en-US" sz="1200" dirty="0"/>
-                        <a:t>최종 점검</a:t>
-                      </a:r>
-                    </a:p>
-                  </a:txBody>
-                  <a:tcPr/>
-                </a:tc>
-                <a:extLst>
-                  <a:ext uri="{0D108BD9-81ED-4DB2-BD59-A6C34878D82A}">
-                    <a16:rowId xmlns:a16="http://schemas.microsoft.com/office/drawing/2014/main" val="3675117869"/>
-                  </a:ext>
-                </a:extLst>
-              </a:tr>
-              <a:tr h="330644">
-                <a:tc>
-                  <a:txBody>
-                    <a:bodyPr/>
-                    <a:lstStyle/>
-                    <a:p>
-                      <a:pPr latinLnBrk="1"/>
-                      <a:r>
-                        <a:rPr lang="en-US" altLang="ko-KR" sz="1200" dirty="0"/>
-                        <a:t>10</a:t>
-                      </a:r>
-                      <a:r>
-                        <a:rPr lang="ko-KR" altLang="en-US" sz="1200" dirty="0"/>
-                        <a:t>주차</a:t>
-                      </a:r>
-                    </a:p>
-                  </a:txBody>
-                  <a:tcPr/>
-                </a:tc>
-                <a:tc>
-                  <a:txBody>
-                    <a:bodyPr/>
-                    <a:lstStyle/>
-                    <a:p>
-                      <a:pPr latinLnBrk="1"/>
-                      <a:r>
-                        <a:rPr lang="ko-KR" altLang="en-US" sz="1200" dirty="0"/>
-                        <a:t>패키징</a:t>
-                      </a:r>
-                      <a:r>
-                        <a:rPr lang="en-US" altLang="ko-KR" sz="1200" dirty="0"/>
-                        <a:t>, </a:t>
-                      </a:r>
-                      <a:r>
-                        <a:rPr lang="ko-KR" altLang="en-US" sz="1200" dirty="0" err="1"/>
-                        <a:t>배포판</a:t>
-                      </a:r>
-                      <a:r>
-                        <a:rPr lang="ko-KR" altLang="en-US" sz="1200" dirty="0"/>
-                        <a:t> 완성</a:t>
-                      </a:r>
-                    </a:p>
-                  </a:txBody>
-                  <a:tcPr/>
-                </a:tc>
-                <a:extLst>
-                  <a:ext uri="{0D108BD9-81ED-4DB2-BD59-A6C34878D82A}">
-                    <a16:rowId xmlns:a16="http://schemas.microsoft.com/office/drawing/2014/main" val="2388800407"/>
+                    <a16:rowId xmlns:a16="http://schemas.microsoft.com/office/drawing/2014/main" val="1200651399"/>
                   </a:ext>
                 </a:extLst>
               </a:tr>
@@ -6173,231 +5316,12 @@
           </a:graphicData>
         </a:graphic>
       </p:graphicFrame>
-    </p:spTree>
-    <p:extLst>
-      <p:ext uri="{BB962C8B-B14F-4D97-AF65-F5344CB8AC3E}">
-        <p14:creationId xmlns:p14="http://schemas.microsoft.com/office/powerpoint/2010/main" val="4076358756"/>
-      </p:ext>
-    </p:extLst>
-  </p:cSld>
-  <p:clrMapOvr>
-    <a:masterClrMapping/>
-  </p:clrMapOvr>
-</p:sld>
-</file>
-
-<file path=ppt/slides/slide5.xml><?xml version="1.0" encoding="utf-8"?>
-<p:sld xmlns:a="http://schemas.openxmlformats.org/drawingml/2006/main" xmlns:r="http://schemas.openxmlformats.org/officeDocument/2006/relationships" xmlns:p="http://schemas.openxmlformats.org/presentationml/2006/main">
-  <p:cSld>
-    <p:spTree>
-      <p:nvGrpSpPr>
-        <p:cNvPr id="1" name=""/>
-        <p:cNvGrpSpPr/>
-        <p:nvPr/>
-      </p:nvGrpSpPr>
-      <p:grpSpPr>
-        <a:xfrm>
-          <a:off x="0" y="0"/>
-          <a:ext cx="0" cy="0"/>
-          <a:chOff x="0" y="0"/>
-          <a:chExt cx="0" cy="0"/>
-        </a:xfrm>
-      </p:grpSpPr>
-      <p:cxnSp>
-        <p:nvCxnSpPr>
-          <p:cNvPr id="2" name="직선 연결선 1">
-            <a:extLst>
-              <a:ext uri="{FF2B5EF4-FFF2-40B4-BE49-F238E27FC236}">
-                <a16:creationId xmlns:a16="http://schemas.microsoft.com/office/drawing/2014/main" id="{095D726E-41BE-4206-BF88-2363416CC29D}"/>
-              </a:ext>
-            </a:extLst>
-          </p:cNvPr>
-          <p:cNvCxnSpPr>
-            <a:cxnSpLocks/>
-          </p:cNvCxnSpPr>
-          <p:nvPr/>
-        </p:nvCxnSpPr>
-        <p:spPr>
-          <a:xfrm>
-            <a:off x="1347787" y="866775"/>
-            <a:ext cx="9496425" cy="19645"/>
-          </a:xfrm>
-          <a:prstGeom prst="line">
-            <a:avLst/>
-          </a:prstGeom>
-          <a:ln w="25400">
-            <a:solidFill>
-              <a:schemeClr val="tx1"/>
-            </a:solidFill>
-          </a:ln>
-        </p:spPr>
-        <p:style>
-          <a:lnRef idx="1">
-            <a:schemeClr val="accent1"/>
-          </a:lnRef>
-          <a:fillRef idx="0">
-            <a:schemeClr val="accent1"/>
-          </a:fillRef>
-          <a:effectRef idx="0">
-            <a:schemeClr val="accent1"/>
-          </a:effectRef>
-          <a:fontRef idx="minor">
-            <a:schemeClr val="tx1"/>
-          </a:fontRef>
-        </p:style>
-      </p:cxnSp>
-      <p:sp>
-        <p:nvSpPr>
-          <p:cNvPr id="4" name="TextBox 3">
-            <a:extLst>
-              <a:ext uri="{FF2B5EF4-FFF2-40B4-BE49-F238E27FC236}">
-                <a16:creationId xmlns:a16="http://schemas.microsoft.com/office/drawing/2014/main" id="{299E6DC8-D07D-4275-885E-ABE4DA659C34}"/>
-              </a:ext>
-            </a:extLst>
-          </p:cNvPr>
-          <p:cNvSpPr txBox="1"/>
-          <p:nvPr/>
-        </p:nvSpPr>
-        <p:spPr>
-          <a:xfrm>
-            <a:off x="8671112" y="443788"/>
-            <a:ext cx="2432076" cy="523220"/>
-          </a:xfrm>
-          <a:prstGeom prst="rect">
-            <a:avLst/>
-          </a:prstGeom>
-          <a:noFill/>
-        </p:spPr>
-        <p:txBody>
-          <a:bodyPr wrap="none" rtlCol="0">
-            <a:spAutoFit/>
-          </a:bodyPr>
-          <a:lstStyle/>
-          <a:p>
-            <a:r>
-              <a:rPr lang="en-US" altLang="ko-KR" sz="2800" dirty="0">
-                <a:latin typeface="HY헤드라인M" panose="02030600000101010101" pitchFamily="18" charset="-127"/>
-                <a:ea typeface="HY헤드라인M" panose="02030600000101010101" pitchFamily="18" charset="-127"/>
-              </a:rPr>
-              <a:t>Dragon Flight</a:t>
-            </a:r>
-            <a:endParaRPr lang="ko-KR" altLang="en-US" sz="2800" dirty="0">
-              <a:latin typeface="HY헤드라인M" panose="02030600000101010101" pitchFamily="18" charset="-127"/>
-              <a:ea typeface="HY헤드라인M" panose="02030600000101010101" pitchFamily="18" charset="-127"/>
-            </a:endParaRPr>
-          </a:p>
-        </p:txBody>
-      </p:sp>
-      <p:sp>
-        <p:nvSpPr>
-          <p:cNvPr id="6" name="TextBox 5">
-            <a:extLst>
-              <a:ext uri="{FF2B5EF4-FFF2-40B4-BE49-F238E27FC236}">
-                <a16:creationId xmlns:a16="http://schemas.microsoft.com/office/drawing/2014/main" id="{F63CBCA1-3C03-4CC6-9651-80900F80BEC7}"/>
-              </a:ext>
-            </a:extLst>
-          </p:cNvPr>
-          <p:cNvSpPr txBox="1"/>
-          <p:nvPr/>
-        </p:nvSpPr>
-        <p:spPr>
-          <a:xfrm>
-            <a:off x="1347787" y="59067"/>
-            <a:ext cx="4532010" cy="769441"/>
-          </a:xfrm>
-          <a:prstGeom prst="rect">
-            <a:avLst/>
-          </a:prstGeom>
-          <a:noFill/>
-        </p:spPr>
-        <p:txBody>
-          <a:bodyPr wrap="none" rtlCol="0">
-            <a:spAutoFit/>
-          </a:bodyPr>
-          <a:lstStyle/>
-          <a:p>
-            <a:r>
-              <a:rPr lang="en-US" altLang="ko-KR" sz="4400" dirty="0">
-                <a:solidFill>
-                  <a:schemeClr val="accent1"/>
-                </a:solidFill>
-                <a:latin typeface="HY헤드라인M" panose="02030600000101010101" pitchFamily="18" charset="-127"/>
-                <a:ea typeface="HY헤드라인M" panose="02030600000101010101" pitchFamily="18" charset="-127"/>
-              </a:rPr>
-              <a:t>GitHub </a:t>
-            </a:r>
-            <a:r>
-              <a:rPr lang="ko-KR" altLang="en-US" sz="4400" dirty="0" err="1">
-                <a:solidFill>
-                  <a:schemeClr val="accent1"/>
-                </a:solidFill>
-                <a:latin typeface="HY헤드라인M" panose="02030600000101010101" pitchFamily="18" charset="-127"/>
-                <a:ea typeface="HY헤드라인M" panose="02030600000101010101" pitchFamily="18" charset="-127"/>
-              </a:rPr>
-              <a:t>커밋</a:t>
-            </a:r>
-            <a:r>
-              <a:rPr lang="ko-KR" altLang="en-US" sz="4400" dirty="0">
-                <a:solidFill>
-                  <a:schemeClr val="accent1"/>
-                </a:solidFill>
-                <a:latin typeface="HY헤드라인M" panose="02030600000101010101" pitchFamily="18" charset="-127"/>
-                <a:ea typeface="HY헤드라인M" panose="02030600000101010101" pitchFamily="18" charset="-127"/>
-              </a:rPr>
-              <a:t> 통계</a:t>
-            </a:r>
-          </a:p>
-        </p:txBody>
-      </p:sp>
-      <p:cxnSp>
-        <p:nvCxnSpPr>
-          <p:cNvPr id="7" name="직선 연결선 6">
-            <a:extLst>
-              <a:ext uri="{FF2B5EF4-FFF2-40B4-BE49-F238E27FC236}">
-                <a16:creationId xmlns:a16="http://schemas.microsoft.com/office/drawing/2014/main" id="{3905285F-43E8-446B-832F-35A947015046}"/>
-              </a:ext>
-            </a:extLst>
-          </p:cNvPr>
-          <p:cNvCxnSpPr>
-            <a:cxnSpLocks/>
-          </p:cNvCxnSpPr>
-          <p:nvPr/>
-        </p:nvCxnSpPr>
-        <p:spPr>
-          <a:xfrm>
-            <a:off x="1347787" y="6263528"/>
-            <a:ext cx="9496425" cy="19645"/>
-          </a:xfrm>
-          <a:prstGeom prst="line">
-            <a:avLst/>
-          </a:prstGeom>
-          <a:ln w="25400">
-            <a:solidFill>
-              <a:schemeClr val="tx1"/>
-            </a:solidFill>
-          </a:ln>
-        </p:spPr>
-        <p:style>
-          <a:lnRef idx="1">
-            <a:schemeClr val="accent1"/>
-          </a:lnRef>
-          <a:fillRef idx="0">
-            <a:schemeClr val="accent1"/>
-          </a:fillRef>
-          <a:effectRef idx="0">
-            <a:schemeClr val="accent1"/>
-          </a:effectRef>
-          <a:fontRef idx="minor">
-            <a:schemeClr val="tx1"/>
-          </a:fontRef>
-        </p:style>
-      </p:cxnSp>
       <p:pic>
         <p:nvPicPr>
-          <p:cNvPr id="10" name="그림 9">
-            <a:extLst>
-              <a:ext uri="{FF2B5EF4-FFF2-40B4-BE49-F238E27FC236}">
-                <a16:creationId xmlns:a16="http://schemas.microsoft.com/office/drawing/2014/main" id="{26085AC7-B73E-442D-9061-97DE00390036}"/>
+          <p:cNvPr id="11" name="그림 10">
+            <a:extLst>
+              <a:ext uri="{FF2B5EF4-FFF2-40B4-BE49-F238E27FC236}">
+                <a16:creationId xmlns:a16="http://schemas.microsoft.com/office/drawing/2014/main" id="{E4B17730-C92B-42F1-9E78-F54A8136753C}"/>
               </a:ext>
             </a:extLst>
           </p:cNvPr>
@@ -6420,8 +5344,8 @@
         </p:blipFill>
         <p:spPr>
           <a:xfrm>
-            <a:off x="1347787" y="886420"/>
-            <a:ext cx="9496425" cy="5685013"/>
+            <a:off x="4404220" y="981166"/>
+            <a:ext cx="6585358" cy="1781424"/>
           </a:xfrm>
           <a:prstGeom prst="rect">
             <a:avLst/>
@@ -6431,7 +5355,7 @@
     </p:spTree>
     <p:extLst>
       <p:ext uri="{BB962C8B-B14F-4D97-AF65-F5344CB8AC3E}">
-        <p14:creationId xmlns:p14="http://schemas.microsoft.com/office/powerpoint/2010/main" val="3230577766"/>
+        <p14:creationId xmlns:p14="http://schemas.microsoft.com/office/powerpoint/2010/main" val="3703315485"/>
       </p:ext>
     </p:extLst>
   </p:cSld>
